--- a/materials/handouts/ppt/Graphs_and_Models.pptx
+++ b/materials/handouts/ppt/Graphs_and_Models.pptx
@@ -213,7 +213,7 @@
           <a:p>
             <a:fld id="{C6E6E7DA-9A12-41B8-AB75-67D8F44D53F9}" type="datetimeFigureOut">
               <a:rPr lang="en-US" smtClean="0"/>
-              <a:t>9/3/2015</a:t>
+              <a:t>9/26/2015</a:t>
             </a:fld>
             <a:endParaRPr lang="en-US"/>
           </a:p>
@@ -746,7 +746,7 @@
           <a:p>
             <a:fld id="{9FFE8A4B-A80F-46E4-B171-9550692988AE}" type="datetimeFigureOut">
               <a:rPr lang="en-US" smtClean="0"/>
-              <a:t>9/3/2015</a:t>
+              <a:t>9/26/2015</a:t>
             </a:fld>
             <a:endParaRPr lang="en-US"/>
           </a:p>
@@ -916,7 +916,7 @@
           <a:p>
             <a:fld id="{9FFE8A4B-A80F-46E4-B171-9550692988AE}" type="datetimeFigureOut">
               <a:rPr lang="en-US" smtClean="0"/>
-              <a:t>9/3/2015</a:t>
+              <a:t>9/26/2015</a:t>
             </a:fld>
             <a:endParaRPr lang="en-US"/>
           </a:p>
@@ -1096,7 +1096,7 @@
           <a:p>
             <a:fld id="{9FFE8A4B-A80F-46E4-B171-9550692988AE}" type="datetimeFigureOut">
               <a:rPr lang="en-US" smtClean="0"/>
-              <a:t>9/3/2015</a:t>
+              <a:t>9/26/2015</a:t>
             </a:fld>
             <a:endParaRPr lang="en-US"/>
           </a:p>
@@ -1266,7 +1266,7 @@
           <a:p>
             <a:fld id="{9FFE8A4B-A80F-46E4-B171-9550692988AE}" type="datetimeFigureOut">
               <a:rPr lang="en-US" smtClean="0"/>
-              <a:t>9/3/2015</a:t>
+              <a:t>9/26/2015</a:t>
             </a:fld>
             <a:endParaRPr lang="en-US"/>
           </a:p>
@@ -1512,7 +1512,7 @@
           <a:p>
             <a:fld id="{9FFE8A4B-A80F-46E4-B171-9550692988AE}" type="datetimeFigureOut">
               <a:rPr lang="en-US" smtClean="0"/>
-              <a:t>9/3/2015</a:t>
+              <a:t>9/26/2015</a:t>
             </a:fld>
             <a:endParaRPr lang="en-US"/>
           </a:p>
@@ -1800,7 +1800,7 @@
           <a:p>
             <a:fld id="{9FFE8A4B-A80F-46E4-B171-9550692988AE}" type="datetimeFigureOut">
               <a:rPr lang="en-US" smtClean="0"/>
-              <a:t>9/3/2015</a:t>
+              <a:t>9/26/2015</a:t>
             </a:fld>
             <a:endParaRPr lang="en-US"/>
           </a:p>
@@ -2227,7 +2227,7 @@
           <a:p>
             <a:fld id="{9FFE8A4B-A80F-46E4-B171-9550692988AE}" type="datetimeFigureOut">
               <a:rPr lang="en-US" smtClean="0"/>
-              <a:t>9/3/2015</a:t>
+              <a:t>9/26/2015</a:t>
             </a:fld>
             <a:endParaRPr lang="en-US"/>
           </a:p>
@@ -2345,7 +2345,7 @@
           <a:p>
             <a:fld id="{9FFE8A4B-A80F-46E4-B171-9550692988AE}" type="datetimeFigureOut">
               <a:rPr lang="en-US" smtClean="0"/>
-              <a:t>9/3/2015</a:t>
+              <a:t>9/26/2015</a:t>
             </a:fld>
             <a:endParaRPr lang="en-US"/>
           </a:p>
@@ -2440,7 +2440,7 @@
           <a:p>
             <a:fld id="{9FFE8A4B-A80F-46E4-B171-9550692988AE}" type="datetimeFigureOut">
               <a:rPr lang="en-US" smtClean="0"/>
-              <a:t>9/3/2015</a:t>
+              <a:t>9/26/2015</a:t>
             </a:fld>
             <a:endParaRPr lang="en-US"/>
           </a:p>
@@ -2717,7 +2717,7 @@
           <a:p>
             <a:fld id="{9FFE8A4B-A80F-46E4-B171-9550692988AE}" type="datetimeFigureOut">
               <a:rPr lang="en-US" smtClean="0"/>
-              <a:t>9/3/2015</a:t>
+              <a:t>9/26/2015</a:t>
             </a:fld>
             <a:endParaRPr lang="en-US"/>
           </a:p>
@@ -2970,7 +2970,7 @@
           <a:p>
             <a:fld id="{9FFE8A4B-A80F-46E4-B171-9550692988AE}" type="datetimeFigureOut">
               <a:rPr lang="en-US" smtClean="0"/>
-              <a:t>9/3/2015</a:t>
+              <a:t>9/26/2015</a:t>
             </a:fld>
             <a:endParaRPr lang="en-US"/>
           </a:p>
@@ -3183,7 +3183,7 @@
           <a:p>
             <a:fld id="{9FFE8A4B-A80F-46E4-B171-9550692988AE}" type="datetimeFigureOut">
               <a:rPr lang="en-US" smtClean="0"/>
-              <a:t>9/3/2015</a:t>
+              <a:t>9/26/2015</a:t>
             </a:fld>
             <a:endParaRPr lang="en-US"/>
           </a:p>
@@ -3558,66 +3558,483 @@
           <a:chExt cx="0" cy="0"/>
         </a:xfrm>
       </p:grpSpPr>
-      <p:pic>
-        <p:nvPicPr>
-          <p:cNvPr id="2" name="Picture 1"/>
-          <p:cNvPicPr>
-            <a:picLocks noChangeAspect="1"/>
-          </p:cNvPicPr>
+      <p:grpSp>
+        <p:nvGrpSpPr>
+          <p:cNvPr id="88" name="Group 87"/>
+          <p:cNvGrpSpPr/>
           <p:nvPr/>
-        </p:nvPicPr>
-        <p:blipFill>
-          <a:blip r:embed="rId2">
-            <a:extLst>
-              <a:ext uri="{28A0092B-C50C-407E-A947-70E740481C1C}">
-                <a14:useLocalDpi xmlns:a14="http://schemas.microsoft.com/office/drawing/2010/main" val="0"/>
-              </a:ext>
-            </a:extLst>
-          </a:blip>
-          <a:stretch>
-            <a:fillRect/>
-          </a:stretch>
-        </p:blipFill>
-        <p:spPr>
-          <a:xfrm>
-            <a:off x="-304800" y="-1143000"/>
-            <a:ext cx="26365200" cy="10363200"/>
-          </a:xfrm>
-          <a:prstGeom prst="rect">
-            <a:avLst/>
-          </a:prstGeom>
-        </p:spPr>
-      </p:pic>
-      <p:pic>
-        <p:nvPicPr>
-          <p:cNvPr id="151" name="Picture 150"/>
-          <p:cNvPicPr>
-            <a:picLocks noChangeAspect="1"/>
-          </p:cNvPicPr>
-          <p:nvPr/>
-        </p:nvPicPr>
-        <p:blipFill>
-          <a:blip r:embed="rId3" cstate="print">
-            <a:extLst>
-              <a:ext uri="{28A0092B-C50C-407E-A947-70E740481C1C}">
-                <a14:useLocalDpi xmlns:a14="http://schemas.microsoft.com/office/drawing/2010/main" val="0"/>
-              </a:ext>
-            </a:extLst>
-          </a:blip>
-          <a:stretch>
-            <a:fillRect/>
-          </a:stretch>
-        </p:blipFill>
-        <p:spPr>
-          <a:xfrm>
-            <a:off x="-2743200" y="152401"/>
-            <a:ext cx="32004000" cy="8382000"/>
-          </a:xfrm>
-          <a:prstGeom prst="rect">
-            <a:avLst/>
-          </a:prstGeom>
-        </p:spPr>
-      </p:pic>
+        </p:nvGrpSpPr>
+        <p:grpSpPr>
+          <a:xfrm>
+            <a:off x="-2743200" y="-1143000"/>
+            <a:ext cx="32004000" cy="10363200"/>
+            <a:chOff x="-2743200" y="-1143000"/>
+            <a:chExt cx="32004000" cy="10363200"/>
+          </a:xfrm>
+        </p:grpSpPr>
+        <p:pic>
+          <p:nvPicPr>
+            <p:cNvPr id="89" name="Picture 88"/>
+            <p:cNvPicPr>
+              <a:picLocks noChangeAspect="1"/>
+            </p:cNvPicPr>
+            <p:nvPr/>
+          </p:nvPicPr>
+          <p:blipFill>
+            <a:blip r:embed="rId2">
+              <a:extLst>
+                <a:ext uri="{28A0092B-C50C-407E-A947-70E740481C1C}">
+                  <a14:useLocalDpi xmlns:a14="http://schemas.microsoft.com/office/drawing/2010/main" val="0"/>
+                </a:ext>
+              </a:extLst>
+            </a:blip>
+            <a:stretch>
+              <a:fillRect/>
+            </a:stretch>
+          </p:blipFill>
+          <p:spPr>
+            <a:xfrm>
+              <a:off x="-304800" y="-1143000"/>
+              <a:ext cx="26365200" cy="10363200"/>
+            </a:xfrm>
+            <a:prstGeom prst="rect">
+              <a:avLst/>
+            </a:prstGeom>
+          </p:spPr>
+        </p:pic>
+        <p:grpSp>
+          <p:nvGrpSpPr>
+            <p:cNvPr id="97" name="Group 96"/>
+            <p:cNvGrpSpPr/>
+            <p:nvPr/>
+          </p:nvGrpSpPr>
+          <p:grpSpPr>
+            <a:xfrm>
+              <a:off x="0" y="8229600"/>
+              <a:ext cx="19202400" cy="810946"/>
+              <a:chOff x="0" y="8229600"/>
+              <a:chExt cx="19202400" cy="810946"/>
+            </a:xfrm>
+          </p:grpSpPr>
+          <p:sp>
+            <p:nvSpPr>
+              <p:cNvPr id="99" name="Rectangle 98">
+                <a:hlinkClick r:id="rId3"/>
+              </p:cNvPr>
+              <p:cNvSpPr/>
+              <p:nvPr/>
+            </p:nvSpPr>
+            <p:spPr>
+              <a:xfrm>
+                <a:off x="0" y="8229600"/>
+                <a:ext cx="8595360" cy="810946"/>
+              </a:xfrm>
+              <a:prstGeom prst="rect">
+                <a:avLst/>
+              </a:prstGeom>
+              <a:gradFill flip="none" rotWithShape="1">
+                <a:gsLst>
+                  <a:gs pos="0">
+                    <a:srgbClr val="FFC000"/>
+                  </a:gs>
+                  <a:gs pos="100000">
+                    <a:schemeClr val="bg2">
+                      <a:lumMod val="90000"/>
+                      <a:alpha val="41000"/>
+                    </a:schemeClr>
+                  </a:gs>
+                </a:gsLst>
+                <a:lin ang="0" scaled="1"/>
+                <a:tileRect/>
+              </a:gradFill>
+              <a:ln>
+                <a:noFill/>
+              </a:ln>
+              <a:effectLst/>
+            </p:spPr>
+            <p:style>
+              <a:lnRef idx="1">
+                <a:schemeClr val="accent1"/>
+              </a:lnRef>
+              <a:fillRef idx="2">
+                <a:schemeClr val="accent1"/>
+              </a:fillRef>
+              <a:effectRef idx="1">
+                <a:schemeClr val="accent1"/>
+              </a:effectRef>
+              <a:fontRef idx="minor">
+                <a:schemeClr val="dk1"/>
+              </a:fontRef>
+            </p:style>
+            <p:txBody>
+              <a:bodyPr rtlCol="0" anchor="ctr"/>
+              <a:lstStyle/>
+              <a:p>
+                <a:r>
+                  <a:rPr lang="en-US" sz="1600" dirty="0" smtClean="0"/>
+                  <a:t>                            Renaissance </a:t>
+                </a:r>
+                <a:endParaRPr lang="en-US" sz="1600" dirty="0"/>
+              </a:p>
+            </p:txBody>
+          </p:sp>
+          <p:sp>
+            <p:nvSpPr>
+              <p:cNvPr id="100" name="Rectangle 99">
+                <a:hlinkClick r:id="rId3"/>
+              </p:cNvPr>
+              <p:cNvSpPr/>
+              <p:nvPr/>
+            </p:nvSpPr>
+            <p:spPr>
+              <a:xfrm>
+                <a:off x="15544800" y="8251012"/>
+                <a:ext cx="1828800" cy="789534"/>
+              </a:xfrm>
+              <a:prstGeom prst="rect">
+                <a:avLst/>
+              </a:prstGeom>
+              <a:gradFill flip="none" rotWithShape="1">
+                <a:gsLst>
+                  <a:gs pos="0">
+                    <a:srgbClr val="FFC000"/>
+                  </a:gs>
+                  <a:gs pos="100000">
+                    <a:schemeClr val="bg2">
+                      <a:lumMod val="90000"/>
+                      <a:alpha val="41000"/>
+                    </a:schemeClr>
+                  </a:gs>
+                </a:gsLst>
+                <a:path path="circle">
+                  <a:fillToRect l="50000" t="50000" r="50000" b="50000"/>
+                </a:path>
+                <a:tileRect/>
+              </a:gradFill>
+              <a:ln>
+                <a:noFill/>
+              </a:ln>
+              <a:effectLst/>
+            </p:spPr>
+            <p:style>
+              <a:lnRef idx="1">
+                <a:schemeClr val="accent1"/>
+              </a:lnRef>
+              <a:fillRef idx="2">
+                <a:schemeClr val="accent1"/>
+              </a:fillRef>
+              <a:effectRef idx="1">
+                <a:schemeClr val="accent1"/>
+              </a:effectRef>
+              <a:fontRef idx="minor">
+                <a:schemeClr val="dk1"/>
+              </a:fontRef>
+            </p:style>
+            <p:txBody>
+              <a:bodyPr rtlCol="0" anchor="ctr"/>
+              <a:lstStyle/>
+              <a:p>
+                <a:pPr algn="ctr"/>
+                <a:r>
+                  <a:rPr lang="en-US" sz="1600" dirty="0" smtClean="0"/>
+                  <a:t>Romanticism</a:t>
+                </a:r>
+                <a:endParaRPr lang="en-US" sz="1600" dirty="0"/>
+              </a:p>
+            </p:txBody>
+          </p:sp>
+          <p:sp>
+            <p:nvSpPr>
+              <p:cNvPr id="101" name="Rectangle 100">
+                <a:hlinkClick r:id="rId3"/>
+              </p:cNvPr>
+              <p:cNvSpPr/>
+              <p:nvPr/>
+            </p:nvSpPr>
+            <p:spPr>
+              <a:xfrm>
+                <a:off x="3794760" y="8251012"/>
+                <a:ext cx="11750040" cy="237197"/>
+              </a:xfrm>
+              <a:prstGeom prst="rect">
+                <a:avLst/>
+              </a:prstGeom>
+              <a:gradFill flip="none" rotWithShape="1">
+                <a:gsLst>
+                  <a:gs pos="0">
+                    <a:srgbClr val="FFC000"/>
+                  </a:gs>
+                  <a:gs pos="100000">
+                    <a:schemeClr val="bg2">
+                      <a:lumMod val="90000"/>
+                      <a:alpha val="41000"/>
+                    </a:schemeClr>
+                  </a:gs>
+                </a:gsLst>
+                <a:path path="circle">
+                  <a:fillToRect l="50000" t="50000" r="50000" b="50000"/>
+                </a:path>
+                <a:tileRect/>
+              </a:gradFill>
+              <a:ln>
+                <a:noFill/>
+              </a:ln>
+              <a:effectLst/>
+            </p:spPr>
+            <p:style>
+              <a:lnRef idx="1">
+                <a:schemeClr val="accent1"/>
+              </a:lnRef>
+              <a:fillRef idx="2">
+                <a:schemeClr val="accent1"/>
+              </a:fillRef>
+              <a:effectRef idx="1">
+                <a:schemeClr val="accent1"/>
+              </a:effectRef>
+              <a:fontRef idx="minor">
+                <a:schemeClr val="dk1"/>
+              </a:fontRef>
+            </p:style>
+            <p:txBody>
+              <a:bodyPr rtlCol="0" anchor="ctr"/>
+              <a:lstStyle/>
+              <a:p>
+                <a:pPr algn="ctr"/>
+                <a:r>
+                  <a:rPr lang="en-US" sz="1600" dirty="0" smtClean="0"/>
+                  <a:t>Scientific Revolution</a:t>
+                </a:r>
+                <a:endParaRPr lang="en-US" sz="1600" dirty="0"/>
+              </a:p>
+            </p:txBody>
+          </p:sp>
+          <p:sp>
+            <p:nvSpPr>
+              <p:cNvPr id="106" name="Rectangle 105">
+                <a:hlinkClick r:id="rId3"/>
+              </p:cNvPr>
+              <p:cNvSpPr/>
+              <p:nvPr/>
+            </p:nvSpPr>
+            <p:spPr>
+              <a:xfrm>
+                <a:off x="8321040" y="8823116"/>
+                <a:ext cx="6858000" cy="216038"/>
+              </a:xfrm>
+              <a:prstGeom prst="rect">
+                <a:avLst/>
+              </a:prstGeom>
+              <a:gradFill flip="none" rotWithShape="1">
+                <a:gsLst>
+                  <a:gs pos="0">
+                    <a:srgbClr val="FFC000"/>
+                  </a:gs>
+                  <a:gs pos="100000">
+                    <a:schemeClr val="bg2">
+                      <a:lumMod val="90000"/>
+                      <a:alpha val="41000"/>
+                    </a:schemeClr>
+                  </a:gs>
+                </a:gsLst>
+                <a:path path="circle">
+                  <a:fillToRect l="50000" t="50000" r="50000" b="50000"/>
+                </a:path>
+                <a:tileRect/>
+              </a:gradFill>
+              <a:ln>
+                <a:noFill/>
+              </a:ln>
+              <a:effectLst/>
+            </p:spPr>
+            <p:style>
+              <a:lnRef idx="1">
+                <a:schemeClr val="accent1"/>
+              </a:lnRef>
+              <a:fillRef idx="2">
+                <a:schemeClr val="accent1"/>
+              </a:fillRef>
+              <a:effectRef idx="1">
+                <a:schemeClr val="accent1"/>
+              </a:effectRef>
+              <a:fontRef idx="minor">
+                <a:schemeClr val="dk1"/>
+              </a:fontRef>
+            </p:style>
+            <p:txBody>
+              <a:bodyPr rtlCol="0" anchor="ctr"/>
+              <a:lstStyle/>
+              <a:p>
+                <a:pPr algn="ctr"/>
+                <a:r>
+                  <a:rPr lang="en-US" sz="1600" dirty="0" smtClean="0"/>
+                  <a:t>Emergence of Social Sciences</a:t>
+                </a:r>
+                <a:endParaRPr lang="en-US" sz="1600" dirty="0"/>
+              </a:p>
+            </p:txBody>
+          </p:sp>
+          <p:sp>
+            <p:nvSpPr>
+              <p:cNvPr id="107" name="Rectangle 106">
+                <a:hlinkClick r:id="rId3"/>
+              </p:cNvPr>
+              <p:cNvSpPr/>
+              <p:nvPr/>
+            </p:nvSpPr>
+            <p:spPr>
+              <a:xfrm>
+                <a:off x="17373600" y="8251012"/>
+                <a:ext cx="1828800" cy="789534"/>
+              </a:xfrm>
+              <a:prstGeom prst="rect">
+                <a:avLst/>
+              </a:prstGeom>
+              <a:gradFill flip="none" rotWithShape="1">
+                <a:gsLst>
+                  <a:gs pos="0">
+                    <a:srgbClr val="FFC000"/>
+                  </a:gs>
+                  <a:gs pos="100000">
+                    <a:schemeClr val="bg2">
+                      <a:lumMod val="90000"/>
+                      <a:alpha val="41000"/>
+                    </a:schemeClr>
+                  </a:gs>
+                </a:gsLst>
+                <a:path path="circle">
+                  <a:fillToRect l="50000" t="50000" r="50000" b="50000"/>
+                </a:path>
+                <a:tileRect/>
+              </a:gradFill>
+              <a:ln>
+                <a:noFill/>
+              </a:ln>
+              <a:effectLst/>
+            </p:spPr>
+            <p:style>
+              <a:lnRef idx="1">
+                <a:schemeClr val="accent1"/>
+              </a:lnRef>
+              <a:fillRef idx="2">
+                <a:schemeClr val="accent1"/>
+              </a:fillRef>
+              <a:effectRef idx="1">
+                <a:schemeClr val="accent1"/>
+              </a:effectRef>
+              <a:fontRef idx="minor">
+                <a:schemeClr val="dk1"/>
+              </a:fontRef>
+            </p:style>
+            <p:txBody>
+              <a:bodyPr rtlCol="0" anchor="ctr"/>
+              <a:lstStyle/>
+              <a:p>
+                <a:pPr algn="ctr"/>
+                <a:r>
+                  <a:rPr lang="en-US" sz="1600" dirty="0" smtClean="0"/>
+                  <a:t>Positivism</a:t>
+                </a:r>
+                <a:endParaRPr lang="en-US" sz="1600" dirty="0"/>
+              </a:p>
+            </p:txBody>
+          </p:sp>
+          <p:sp>
+            <p:nvSpPr>
+              <p:cNvPr id="138" name="Rectangle 137">
+                <a:hlinkClick r:id="rId3"/>
+              </p:cNvPr>
+              <p:cNvSpPr/>
+              <p:nvPr/>
+            </p:nvSpPr>
+            <p:spPr>
+              <a:xfrm>
+                <a:off x="8046720" y="8568408"/>
+                <a:ext cx="6995160" cy="197969"/>
+              </a:xfrm>
+              <a:prstGeom prst="rect">
+                <a:avLst/>
+              </a:prstGeom>
+              <a:gradFill flip="none" rotWithShape="1">
+                <a:gsLst>
+                  <a:gs pos="0">
+                    <a:srgbClr val="FFC000"/>
+                  </a:gs>
+                  <a:gs pos="100000">
+                    <a:schemeClr val="bg2">
+                      <a:lumMod val="90000"/>
+                      <a:alpha val="41000"/>
+                    </a:schemeClr>
+                  </a:gs>
+                </a:gsLst>
+                <a:path path="circle">
+                  <a:fillToRect l="50000" t="50000" r="50000" b="50000"/>
+                </a:path>
+                <a:tileRect/>
+              </a:gradFill>
+              <a:ln>
+                <a:noFill/>
+              </a:ln>
+              <a:effectLst/>
+            </p:spPr>
+            <p:style>
+              <a:lnRef idx="1">
+                <a:schemeClr val="accent1"/>
+              </a:lnRef>
+              <a:fillRef idx="2">
+                <a:schemeClr val="accent1"/>
+              </a:fillRef>
+              <a:effectRef idx="1">
+                <a:schemeClr val="accent1"/>
+              </a:effectRef>
+              <a:fontRef idx="minor">
+                <a:schemeClr val="dk1"/>
+              </a:fontRef>
+            </p:style>
+            <p:txBody>
+              <a:bodyPr rtlCol="0" anchor="ctr"/>
+              <a:lstStyle/>
+              <a:p>
+                <a:pPr algn="ctr"/>
+                <a:r>
+                  <a:rPr lang="en-US" sz="1600" dirty="0" smtClean="0"/>
+                  <a:t>Enlightenment</a:t>
+                </a:r>
+                <a:endParaRPr lang="en-US" sz="1600" dirty="0"/>
+              </a:p>
+            </p:txBody>
+          </p:sp>
+        </p:grpSp>
+        <p:pic>
+          <p:nvPicPr>
+            <p:cNvPr id="98" name="Picture 97"/>
+            <p:cNvPicPr>
+              <a:picLocks noChangeAspect="1"/>
+            </p:cNvPicPr>
+            <p:nvPr/>
+          </p:nvPicPr>
+          <p:blipFill>
+            <a:blip r:embed="rId4" cstate="print">
+              <a:extLst>
+                <a:ext uri="{28A0092B-C50C-407E-A947-70E740481C1C}">
+                  <a14:useLocalDpi xmlns:a14="http://schemas.microsoft.com/office/drawing/2010/main" val="0"/>
+                </a:ext>
+              </a:extLst>
+            </a:blip>
+            <a:stretch>
+              <a:fillRect/>
+            </a:stretch>
+          </p:blipFill>
+          <p:spPr>
+            <a:xfrm>
+              <a:off x="-2743200" y="152401"/>
+              <a:ext cx="32004000" cy="8382000"/>
+            </a:xfrm>
+            <a:prstGeom prst="rect">
+              <a:avLst/>
+            </a:prstGeom>
+          </p:spPr>
+        </p:pic>
+      </p:grpSp>
       <p:sp>
         <p:nvSpPr>
           <p:cNvPr id="229" name="Rectangle 228"/>
@@ -3768,7 +4185,7 @@
       <p:sp>
         <p:nvSpPr>
           <p:cNvPr id="232" name="Rectangle 231">
-            <a:hlinkClick r:id="rId4"/>
+            <a:hlinkClick r:id="rId3"/>
           </p:cNvPr>
           <p:cNvSpPr/>
           <p:nvPr/>
@@ -3994,7 +4411,7 @@
       <p:sp>
         <p:nvSpPr>
           <p:cNvPr id="248" name="Rectangle 247">
-            <a:hlinkClick r:id="rId4"/>
+            <a:hlinkClick r:id="rId3"/>
           </p:cNvPr>
           <p:cNvSpPr/>
           <p:nvPr/>
@@ -5171,7 +5588,7 @@
       <p:sp>
         <p:nvSpPr>
           <p:cNvPr id="303" name="Rectangle 302">
-            <a:hlinkClick r:id="rId4"/>
+            <a:hlinkClick r:id="rId3"/>
           </p:cNvPr>
           <p:cNvSpPr/>
           <p:nvPr/>
@@ -5271,7 +5688,7 @@
       <p:sp>
         <p:nvSpPr>
           <p:cNvPr id="305" name="Rectangle 304">
-            <a:hlinkClick r:id="rId4"/>
+            <a:hlinkClick r:id="rId3"/>
           </p:cNvPr>
           <p:cNvSpPr/>
           <p:nvPr/>
@@ -6073,7 +6490,7 @@
       <p:sp>
         <p:nvSpPr>
           <p:cNvPr id="121" name="Rectangle 120">
-            <a:hlinkClick r:id="rId4"/>
+            <a:hlinkClick r:id="rId3"/>
           </p:cNvPr>
           <p:cNvSpPr/>
           <p:nvPr/>
@@ -6124,7 +6541,7 @@
       <p:sp>
         <p:nvSpPr>
           <p:cNvPr id="122" name="Rectangle 121">
-            <a:hlinkClick r:id="rId4"/>
+            <a:hlinkClick r:id="rId3"/>
           </p:cNvPr>
           <p:cNvSpPr/>
           <p:nvPr/>
@@ -6175,7 +6592,7 @@
       <p:sp>
         <p:nvSpPr>
           <p:cNvPr id="123" name="Rectangle 122">
-            <a:hlinkClick r:id="rId4"/>
+            <a:hlinkClick r:id="rId3"/>
           </p:cNvPr>
           <p:cNvSpPr/>
           <p:nvPr/>
@@ -6226,7 +6643,7 @@
       <p:sp>
         <p:nvSpPr>
           <p:cNvPr id="124" name="Rectangle 123">
-            <a:hlinkClick r:id="rId4"/>
+            <a:hlinkClick r:id="rId3"/>
           </p:cNvPr>
           <p:cNvSpPr/>
           <p:nvPr/>
@@ -6325,7 +6742,7 @@
       <p:sp>
         <p:nvSpPr>
           <p:cNvPr id="126" name="Rectangle 125">
-            <a:hlinkClick r:id="rId4"/>
+            <a:hlinkClick r:id="rId3"/>
           </p:cNvPr>
           <p:cNvSpPr/>
           <p:nvPr/>
@@ -6376,7 +6793,7 @@
       <p:sp>
         <p:nvSpPr>
           <p:cNvPr id="127" name="Rectangle 126">
-            <a:hlinkClick r:id="rId4"/>
+            <a:hlinkClick r:id="rId3"/>
           </p:cNvPr>
           <p:cNvSpPr/>
           <p:nvPr/>
@@ -6430,7 +6847,7 @@
       <p:sp>
         <p:nvSpPr>
           <p:cNvPr id="128" name="Rectangle 127">
-            <a:hlinkClick r:id="rId4"/>
+            <a:hlinkClick r:id="rId3"/>
           </p:cNvPr>
           <p:cNvSpPr/>
           <p:nvPr/>
@@ -6562,7 +6979,7 @@
       <p:sp>
         <p:nvSpPr>
           <p:cNvPr id="130" name="Rectangle 129">
-            <a:hlinkClick r:id="rId4"/>
+            <a:hlinkClick r:id="rId3"/>
           </p:cNvPr>
           <p:cNvSpPr/>
           <p:nvPr/>
@@ -6613,7 +7030,7 @@
       <p:sp>
         <p:nvSpPr>
           <p:cNvPr id="131" name="Rectangle 130">
-            <a:hlinkClick r:id="rId4"/>
+            <a:hlinkClick r:id="rId3"/>
           </p:cNvPr>
           <p:cNvSpPr/>
           <p:nvPr/>
@@ -6664,7 +7081,7 @@
       <p:sp>
         <p:nvSpPr>
           <p:cNvPr id="132" name="Rectangle 131">
-            <a:hlinkClick r:id="rId4"/>
+            <a:hlinkClick r:id="rId3"/>
           </p:cNvPr>
           <p:cNvSpPr/>
           <p:nvPr/>
@@ -6715,7 +7132,7 @@
       <p:sp>
         <p:nvSpPr>
           <p:cNvPr id="133" name="Rectangle 132">
-            <a:hlinkClick r:id="rId4"/>
+            <a:hlinkClick r:id="rId3"/>
           </p:cNvPr>
           <p:cNvSpPr/>
           <p:nvPr/>
@@ -6766,7 +7183,7 @@
       <p:sp>
         <p:nvSpPr>
           <p:cNvPr id="134" name="Rectangle 133">
-            <a:hlinkClick r:id="rId4"/>
+            <a:hlinkClick r:id="rId3"/>
           </p:cNvPr>
           <p:cNvSpPr/>
           <p:nvPr/>
@@ -6817,7 +7234,7 @@
       <p:sp>
         <p:nvSpPr>
           <p:cNvPr id="135" name="Rectangle 134">
-            <a:hlinkClick r:id="rId4"/>
+            <a:hlinkClick r:id="rId3"/>
           </p:cNvPr>
           <p:cNvSpPr/>
           <p:nvPr/>
@@ -6978,393 +7395,6 @@
           </a:p>
         </p:txBody>
       </p:sp>
-      <p:sp>
-        <p:nvSpPr>
-          <p:cNvPr id="90" name="Rectangle 89">
-            <a:hlinkClick r:id="rId4"/>
-          </p:cNvPr>
-          <p:cNvSpPr/>
-          <p:nvPr/>
-        </p:nvSpPr>
-        <p:spPr>
-          <a:xfrm>
-            <a:off x="0" y="8229600"/>
-            <a:ext cx="8595360" cy="810946"/>
-          </a:xfrm>
-          <a:prstGeom prst="rect">
-            <a:avLst/>
-          </a:prstGeom>
-          <a:gradFill flip="none" rotWithShape="1">
-            <a:gsLst>
-              <a:gs pos="0">
-                <a:srgbClr val="FFC000"/>
-              </a:gs>
-              <a:gs pos="100000">
-                <a:schemeClr val="bg2">
-                  <a:lumMod val="90000"/>
-                  <a:alpha val="41000"/>
-                </a:schemeClr>
-              </a:gs>
-            </a:gsLst>
-            <a:lin ang="0" scaled="1"/>
-            <a:tileRect/>
-          </a:gradFill>
-          <a:ln>
-            <a:noFill/>
-          </a:ln>
-          <a:effectLst/>
-        </p:spPr>
-        <p:style>
-          <a:lnRef idx="1">
-            <a:schemeClr val="accent1"/>
-          </a:lnRef>
-          <a:fillRef idx="2">
-            <a:schemeClr val="accent1"/>
-          </a:fillRef>
-          <a:effectRef idx="1">
-            <a:schemeClr val="accent1"/>
-          </a:effectRef>
-          <a:fontRef idx="minor">
-            <a:schemeClr val="dk1"/>
-          </a:fontRef>
-        </p:style>
-        <p:txBody>
-          <a:bodyPr rtlCol="0" anchor="ctr"/>
-          <a:lstStyle/>
-          <a:p>
-            <a:r>
-              <a:rPr lang="en-US" sz="1600" dirty="0" smtClean="0"/>
-              <a:t>                            Renaissance </a:t>
-            </a:r>
-            <a:endParaRPr lang="en-US" sz="1600" dirty="0"/>
-          </a:p>
-        </p:txBody>
-      </p:sp>
-      <p:sp>
-        <p:nvSpPr>
-          <p:cNvPr id="91" name="Rectangle 90">
-            <a:hlinkClick r:id="rId4"/>
-          </p:cNvPr>
-          <p:cNvSpPr/>
-          <p:nvPr/>
-        </p:nvSpPr>
-        <p:spPr>
-          <a:xfrm>
-            <a:off x="15544800" y="8251012"/>
-            <a:ext cx="1828800" cy="789534"/>
-          </a:xfrm>
-          <a:prstGeom prst="rect">
-            <a:avLst/>
-          </a:prstGeom>
-          <a:gradFill flip="none" rotWithShape="1">
-            <a:gsLst>
-              <a:gs pos="0">
-                <a:srgbClr val="FFC000"/>
-              </a:gs>
-              <a:gs pos="100000">
-                <a:schemeClr val="bg2">
-                  <a:lumMod val="90000"/>
-                  <a:alpha val="41000"/>
-                </a:schemeClr>
-              </a:gs>
-            </a:gsLst>
-            <a:path path="circle">
-              <a:fillToRect l="50000" t="50000" r="50000" b="50000"/>
-            </a:path>
-            <a:tileRect/>
-          </a:gradFill>
-          <a:ln>
-            <a:noFill/>
-          </a:ln>
-          <a:effectLst/>
-        </p:spPr>
-        <p:style>
-          <a:lnRef idx="1">
-            <a:schemeClr val="accent1"/>
-          </a:lnRef>
-          <a:fillRef idx="2">
-            <a:schemeClr val="accent1"/>
-          </a:fillRef>
-          <a:effectRef idx="1">
-            <a:schemeClr val="accent1"/>
-          </a:effectRef>
-          <a:fontRef idx="minor">
-            <a:schemeClr val="dk1"/>
-          </a:fontRef>
-        </p:style>
-        <p:txBody>
-          <a:bodyPr rtlCol="0" anchor="ctr"/>
-          <a:lstStyle/>
-          <a:p>
-            <a:pPr algn="ctr"/>
-            <a:r>
-              <a:rPr lang="en-US" sz="1600" dirty="0" smtClean="0"/>
-              <a:t>Romanticism</a:t>
-            </a:r>
-            <a:endParaRPr lang="en-US" sz="1600" dirty="0"/>
-          </a:p>
-        </p:txBody>
-      </p:sp>
-      <p:sp>
-        <p:nvSpPr>
-          <p:cNvPr id="92" name="Rectangle 91">
-            <a:hlinkClick r:id="rId4"/>
-          </p:cNvPr>
-          <p:cNvSpPr/>
-          <p:nvPr/>
-        </p:nvSpPr>
-        <p:spPr>
-          <a:xfrm>
-            <a:off x="3794760" y="8251012"/>
-            <a:ext cx="11750040" cy="237197"/>
-          </a:xfrm>
-          <a:prstGeom prst="rect">
-            <a:avLst/>
-          </a:prstGeom>
-          <a:gradFill flip="none" rotWithShape="1">
-            <a:gsLst>
-              <a:gs pos="0">
-                <a:srgbClr val="FFC000"/>
-              </a:gs>
-              <a:gs pos="100000">
-                <a:schemeClr val="bg2">
-                  <a:lumMod val="90000"/>
-                  <a:alpha val="41000"/>
-                </a:schemeClr>
-              </a:gs>
-            </a:gsLst>
-            <a:path path="circle">
-              <a:fillToRect l="50000" t="50000" r="50000" b="50000"/>
-            </a:path>
-            <a:tileRect/>
-          </a:gradFill>
-          <a:ln>
-            <a:noFill/>
-          </a:ln>
-          <a:effectLst/>
-        </p:spPr>
-        <p:style>
-          <a:lnRef idx="1">
-            <a:schemeClr val="accent1"/>
-          </a:lnRef>
-          <a:fillRef idx="2">
-            <a:schemeClr val="accent1"/>
-          </a:fillRef>
-          <a:effectRef idx="1">
-            <a:schemeClr val="accent1"/>
-          </a:effectRef>
-          <a:fontRef idx="minor">
-            <a:schemeClr val="dk1"/>
-          </a:fontRef>
-        </p:style>
-        <p:txBody>
-          <a:bodyPr rtlCol="0" anchor="ctr"/>
-          <a:lstStyle/>
-          <a:p>
-            <a:pPr algn="ctr"/>
-            <a:r>
-              <a:rPr lang="en-US" sz="1600" dirty="0" smtClean="0"/>
-              <a:t>Scientific Revolution</a:t>
-            </a:r>
-            <a:endParaRPr lang="en-US" sz="1600" dirty="0"/>
-          </a:p>
-        </p:txBody>
-      </p:sp>
-      <p:sp>
-        <p:nvSpPr>
-          <p:cNvPr id="93" name="Rectangle 92">
-            <a:hlinkClick r:id="rId4"/>
-          </p:cNvPr>
-          <p:cNvSpPr/>
-          <p:nvPr/>
-        </p:nvSpPr>
-        <p:spPr>
-          <a:xfrm>
-            <a:off x="8321040" y="8823116"/>
-            <a:ext cx="6858000" cy="216038"/>
-          </a:xfrm>
-          <a:prstGeom prst="rect">
-            <a:avLst/>
-          </a:prstGeom>
-          <a:gradFill flip="none" rotWithShape="1">
-            <a:gsLst>
-              <a:gs pos="0">
-                <a:srgbClr val="FFC000"/>
-              </a:gs>
-              <a:gs pos="100000">
-                <a:schemeClr val="bg2">
-                  <a:lumMod val="90000"/>
-                  <a:alpha val="41000"/>
-                </a:schemeClr>
-              </a:gs>
-            </a:gsLst>
-            <a:path path="circle">
-              <a:fillToRect l="50000" t="50000" r="50000" b="50000"/>
-            </a:path>
-            <a:tileRect/>
-          </a:gradFill>
-          <a:ln>
-            <a:noFill/>
-          </a:ln>
-          <a:effectLst/>
-        </p:spPr>
-        <p:style>
-          <a:lnRef idx="1">
-            <a:schemeClr val="accent1"/>
-          </a:lnRef>
-          <a:fillRef idx="2">
-            <a:schemeClr val="accent1"/>
-          </a:fillRef>
-          <a:effectRef idx="1">
-            <a:schemeClr val="accent1"/>
-          </a:effectRef>
-          <a:fontRef idx="minor">
-            <a:schemeClr val="dk1"/>
-          </a:fontRef>
-        </p:style>
-        <p:txBody>
-          <a:bodyPr rtlCol="0" anchor="ctr"/>
-          <a:lstStyle/>
-          <a:p>
-            <a:pPr algn="ctr"/>
-            <a:r>
-              <a:rPr lang="en-US" sz="1800" b="1" dirty="0" smtClean="0"/>
-              <a:t>Emergence of Social Sciences</a:t>
-            </a:r>
-            <a:endParaRPr lang="en-US" sz="1800" b="1" dirty="0"/>
-          </a:p>
-        </p:txBody>
-      </p:sp>
-      <p:sp>
-        <p:nvSpPr>
-          <p:cNvPr id="94" name="Rectangle 93">
-            <a:hlinkClick r:id="rId4"/>
-          </p:cNvPr>
-          <p:cNvSpPr/>
-          <p:nvPr/>
-        </p:nvSpPr>
-        <p:spPr>
-          <a:xfrm>
-            <a:off x="17373600" y="8251012"/>
-            <a:ext cx="1828800" cy="789534"/>
-          </a:xfrm>
-          <a:prstGeom prst="rect">
-            <a:avLst/>
-          </a:prstGeom>
-          <a:gradFill flip="none" rotWithShape="1">
-            <a:gsLst>
-              <a:gs pos="0">
-                <a:srgbClr val="FFC000"/>
-              </a:gs>
-              <a:gs pos="100000">
-                <a:schemeClr val="bg2">
-                  <a:lumMod val="90000"/>
-                  <a:alpha val="41000"/>
-                </a:schemeClr>
-              </a:gs>
-            </a:gsLst>
-            <a:path path="circle">
-              <a:fillToRect l="50000" t="50000" r="50000" b="50000"/>
-            </a:path>
-            <a:tileRect/>
-          </a:gradFill>
-          <a:ln>
-            <a:noFill/>
-          </a:ln>
-          <a:effectLst/>
-        </p:spPr>
-        <p:style>
-          <a:lnRef idx="1">
-            <a:schemeClr val="accent1"/>
-          </a:lnRef>
-          <a:fillRef idx="2">
-            <a:schemeClr val="accent1"/>
-          </a:fillRef>
-          <a:effectRef idx="1">
-            <a:schemeClr val="accent1"/>
-          </a:effectRef>
-          <a:fontRef idx="minor">
-            <a:schemeClr val="dk1"/>
-          </a:fontRef>
-        </p:style>
-        <p:txBody>
-          <a:bodyPr rtlCol="0" anchor="ctr"/>
-          <a:lstStyle/>
-          <a:p>
-            <a:pPr algn="ctr"/>
-            <a:r>
-              <a:rPr lang="en-US" sz="1600" dirty="0" smtClean="0"/>
-              <a:t>Positivism</a:t>
-            </a:r>
-            <a:endParaRPr lang="en-US" sz="1600" dirty="0"/>
-          </a:p>
-        </p:txBody>
-      </p:sp>
-      <p:sp>
-        <p:nvSpPr>
-          <p:cNvPr id="95" name="Rectangle 94">
-            <a:hlinkClick r:id="rId4"/>
-          </p:cNvPr>
-          <p:cNvSpPr/>
-          <p:nvPr/>
-        </p:nvSpPr>
-        <p:spPr>
-          <a:xfrm>
-            <a:off x="8046720" y="8568408"/>
-            <a:ext cx="6995160" cy="197969"/>
-          </a:xfrm>
-          <a:prstGeom prst="rect">
-            <a:avLst/>
-          </a:prstGeom>
-          <a:gradFill flip="none" rotWithShape="1">
-            <a:gsLst>
-              <a:gs pos="0">
-                <a:srgbClr val="FFC000"/>
-              </a:gs>
-              <a:gs pos="100000">
-                <a:schemeClr val="bg2">
-                  <a:lumMod val="90000"/>
-                  <a:alpha val="41000"/>
-                </a:schemeClr>
-              </a:gs>
-            </a:gsLst>
-            <a:path path="circle">
-              <a:fillToRect l="50000" t="50000" r="50000" b="50000"/>
-            </a:path>
-            <a:tileRect/>
-          </a:gradFill>
-          <a:ln>
-            <a:noFill/>
-          </a:ln>
-          <a:effectLst/>
-        </p:spPr>
-        <p:style>
-          <a:lnRef idx="1">
-            <a:schemeClr val="accent1"/>
-          </a:lnRef>
-          <a:fillRef idx="2">
-            <a:schemeClr val="accent1"/>
-          </a:fillRef>
-          <a:effectRef idx="1">
-            <a:schemeClr val="accent1"/>
-          </a:effectRef>
-          <a:fontRef idx="minor">
-            <a:schemeClr val="dk1"/>
-          </a:fontRef>
-        </p:style>
-        <p:txBody>
-          <a:bodyPr rtlCol="0" anchor="ctr"/>
-          <a:lstStyle/>
-          <a:p>
-            <a:pPr algn="ctr"/>
-            <a:r>
-              <a:rPr lang="en-US" sz="1600" dirty="0" smtClean="0"/>
-              <a:t>Enlightenment</a:t>
-            </a:r>
-            <a:endParaRPr lang="en-US" sz="1600" dirty="0"/>
-          </a:p>
-        </p:txBody>
-      </p:sp>
       <p:grpSp>
         <p:nvGrpSpPr>
           <p:cNvPr id="4" name="Group 3"/>
@@ -7373,7 +7403,7 @@
         </p:nvGrpSpPr>
         <p:grpSpPr>
           <a:xfrm>
-            <a:off x="23012400" y="6505277"/>
+            <a:off x="18438315" y="6139170"/>
             <a:ext cx="1676400" cy="1328083"/>
             <a:chOff x="21874601" y="6639580"/>
             <a:chExt cx="1676400" cy="1328083"/>
@@ -7437,7 +7467,7 @@
         <p:sp>
           <p:nvSpPr>
             <p:cNvPr id="104" name="Rectangle 103">
-              <a:hlinkClick r:id="rId4"/>
+              <a:hlinkClick r:id="rId3"/>
             </p:cNvPr>
             <p:cNvSpPr/>
             <p:nvPr/>
@@ -7806,6 +7836,44 @@
           </a:p>
         </p:txBody>
       </p:sp>
+      <p:sp>
+        <p:nvSpPr>
+          <p:cNvPr id="140" name="TextBox 139"/>
+          <p:cNvSpPr txBox="1"/>
+          <p:nvPr/>
+        </p:nvSpPr>
+        <p:spPr>
+          <a:xfrm>
+            <a:off x="6401710" y="6803212"/>
+            <a:ext cx="3202854" cy="307777"/>
+          </a:xfrm>
+          <a:prstGeom prst="rect">
+            <a:avLst/>
+          </a:prstGeom>
+          <a:noFill/>
+        </p:spPr>
+        <p:txBody>
+          <a:bodyPr wrap="square" rtlCol="0">
+            <a:spAutoFit/>
+          </a:bodyPr>
+          <a:lstStyle/>
+          <a:p>
+            <a:r>
+              <a:rPr lang="en-US" sz="1400" dirty="0" smtClean="0">
+                <a:solidFill>
+                  <a:srgbClr val="D44546"/>
+                </a:solidFill>
+              </a:rPr>
+              <a:t>Population of Wester Europe, millions</a:t>
+            </a:r>
+            <a:endParaRPr lang="en-US" sz="1400" dirty="0">
+              <a:solidFill>
+                <a:srgbClr val="D44546"/>
+              </a:solidFill>
+            </a:endParaRPr>
+          </a:p>
+        </p:txBody>
+      </p:sp>
     </p:spTree>
     <p:extLst>
       <p:ext uri="{BB962C8B-B14F-4D97-AF65-F5344CB8AC3E}">
@@ -7851,36 +7919,483 @@
           <a:chExt cx="0" cy="0"/>
         </a:xfrm>
       </p:grpSpPr>
-      <p:pic>
-        <p:nvPicPr>
-          <p:cNvPr id="3" name="Picture 2"/>
-          <p:cNvPicPr>
-            <a:picLocks noChangeAspect="1"/>
-          </p:cNvPicPr>
+      <p:grpSp>
+        <p:nvGrpSpPr>
+          <p:cNvPr id="4" name="Group 3"/>
+          <p:cNvGrpSpPr/>
           <p:nvPr/>
-        </p:nvPicPr>
-        <p:blipFill>
-          <a:blip r:embed="rId3" cstate="print">
-            <a:extLst>
-              <a:ext uri="{28A0092B-C50C-407E-A947-70E740481C1C}">
-                <a14:useLocalDpi xmlns:a14="http://schemas.microsoft.com/office/drawing/2010/main" val="0"/>
-              </a:ext>
-            </a:extLst>
-          </a:blip>
-          <a:stretch>
-            <a:fillRect/>
-          </a:stretch>
-        </p:blipFill>
-        <p:spPr>
-          <a:xfrm>
-            <a:off x="-3013260" y="152400"/>
-            <a:ext cx="33367079" cy="8141839"/>
-          </a:xfrm>
-          <a:prstGeom prst="rect">
-            <a:avLst/>
-          </a:prstGeom>
-        </p:spPr>
-      </p:pic>
+        </p:nvGrpSpPr>
+        <p:grpSpPr>
+          <a:xfrm>
+            <a:off x="-2743200" y="-1143000"/>
+            <a:ext cx="32004000" cy="10363200"/>
+            <a:chOff x="-2743200" y="-1143000"/>
+            <a:chExt cx="32004000" cy="10363200"/>
+          </a:xfrm>
+        </p:grpSpPr>
+        <p:pic>
+          <p:nvPicPr>
+            <p:cNvPr id="95" name="Picture 94"/>
+            <p:cNvPicPr>
+              <a:picLocks noChangeAspect="1"/>
+            </p:cNvPicPr>
+            <p:nvPr/>
+          </p:nvPicPr>
+          <p:blipFill>
+            <a:blip r:embed="rId3">
+              <a:extLst>
+                <a:ext uri="{28A0092B-C50C-407E-A947-70E740481C1C}">
+                  <a14:useLocalDpi xmlns:a14="http://schemas.microsoft.com/office/drawing/2010/main" val="0"/>
+                </a:ext>
+              </a:extLst>
+            </a:blip>
+            <a:stretch>
+              <a:fillRect/>
+            </a:stretch>
+          </p:blipFill>
+          <p:spPr>
+            <a:xfrm>
+              <a:off x="-304800" y="-1143000"/>
+              <a:ext cx="26365200" cy="10363200"/>
+            </a:xfrm>
+            <a:prstGeom prst="rect">
+              <a:avLst/>
+            </a:prstGeom>
+          </p:spPr>
+        </p:pic>
+        <p:grpSp>
+          <p:nvGrpSpPr>
+            <p:cNvPr id="3" name="Group 2"/>
+            <p:cNvGrpSpPr/>
+            <p:nvPr/>
+          </p:nvGrpSpPr>
+          <p:grpSpPr>
+            <a:xfrm>
+              <a:off x="0" y="8229600"/>
+              <a:ext cx="19202400" cy="810946"/>
+              <a:chOff x="0" y="8229600"/>
+              <a:chExt cx="19202400" cy="810946"/>
+            </a:xfrm>
+          </p:grpSpPr>
+          <p:sp>
+            <p:nvSpPr>
+              <p:cNvPr id="134" name="Rectangle 133">
+                <a:hlinkClick r:id="rId4"/>
+              </p:cNvPr>
+              <p:cNvSpPr/>
+              <p:nvPr/>
+            </p:nvSpPr>
+            <p:spPr>
+              <a:xfrm>
+                <a:off x="0" y="8229600"/>
+                <a:ext cx="8595360" cy="810946"/>
+              </a:xfrm>
+              <a:prstGeom prst="rect">
+                <a:avLst/>
+              </a:prstGeom>
+              <a:gradFill flip="none" rotWithShape="1">
+                <a:gsLst>
+                  <a:gs pos="0">
+                    <a:srgbClr val="FFC000"/>
+                  </a:gs>
+                  <a:gs pos="100000">
+                    <a:schemeClr val="bg2">
+                      <a:lumMod val="90000"/>
+                      <a:alpha val="41000"/>
+                    </a:schemeClr>
+                  </a:gs>
+                </a:gsLst>
+                <a:lin ang="0" scaled="1"/>
+                <a:tileRect/>
+              </a:gradFill>
+              <a:ln>
+                <a:noFill/>
+              </a:ln>
+              <a:effectLst/>
+            </p:spPr>
+            <p:style>
+              <a:lnRef idx="1">
+                <a:schemeClr val="accent1"/>
+              </a:lnRef>
+              <a:fillRef idx="2">
+                <a:schemeClr val="accent1"/>
+              </a:fillRef>
+              <a:effectRef idx="1">
+                <a:schemeClr val="accent1"/>
+              </a:effectRef>
+              <a:fontRef idx="minor">
+                <a:schemeClr val="dk1"/>
+              </a:fontRef>
+            </p:style>
+            <p:txBody>
+              <a:bodyPr rtlCol="0" anchor="ctr"/>
+              <a:lstStyle/>
+              <a:p>
+                <a:r>
+                  <a:rPr lang="en-US" sz="1600" dirty="0" smtClean="0"/>
+                  <a:t>                            Renaissance </a:t>
+                </a:r>
+                <a:endParaRPr lang="en-US" sz="1600" dirty="0"/>
+              </a:p>
+            </p:txBody>
+          </p:sp>
+          <p:sp>
+            <p:nvSpPr>
+              <p:cNvPr id="129" name="Rectangle 128">
+                <a:hlinkClick r:id="rId4"/>
+              </p:cNvPr>
+              <p:cNvSpPr/>
+              <p:nvPr/>
+            </p:nvSpPr>
+            <p:spPr>
+              <a:xfrm>
+                <a:off x="15544800" y="8251012"/>
+                <a:ext cx="1828800" cy="789534"/>
+              </a:xfrm>
+              <a:prstGeom prst="rect">
+                <a:avLst/>
+              </a:prstGeom>
+              <a:gradFill flip="none" rotWithShape="1">
+                <a:gsLst>
+                  <a:gs pos="0">
+                    <a:srgbClr val="FFC000"/>
+                  </a:gs>
+                  <a:gs pos="100000">
+                    <a:schemeClr val="bg2">
+                      <a:lumMod val="90000"/>
+                      <a:alpha val="41000"/>
+                    </a:schemeClr>
+                  </a:gs>
+                </a:gsLst>
+                <a:path path="circle">
+                  <a:fillToRect l="50000" t="50000" r="50000" b="50000"/>
+                </a:path>
+                <a:tileRect/>
+              </a:gradFill>
+              <a:ln>
+                <a:noFill/>
+              </a:ln>
+              <a:effectLst/>
+            </p:spPr>
+            <p:style>
+              <a:lnRef idx="1">
+                <a:schemeClr val="accent1"/>
+              </a:lnRef>
+              <a:fillRef idx="2">
+                <a:schemeClr val="accent1"/>
+              </a:fillRef>
+              <a:effectRef idx="1">
+                <a:schemeClr val="accent1"/>
+              </a:effectRef>
+              <a:fontRef idx="minor">
+                <a:schemeClr val="dk1"/>
+              </a:fontRef>
+            </p:style>
+            <p:txBody>
+              <a:bodyPr rtlCol="0" anchor="ctr"/>
+              <a:lstStyle/>
+              <a:p>
+                <a:pPr algn="ctr"/>
+                <a:r>
+                  <a:rPr lang="en-US" sz="1600" dirty="0" smtClean="0"/>
+                  <a:t>Romanticism</a:t>
+                </a:r>
+                <a:endParaRPr lang="en-US" sz="1600" dirty="0"/>
+              </a:p>
+            </p:txBody>
+          </p:sp>
+          <p:sp>
+            <p:nvSpPr>
+              <p:cNvPr id="131" name="Rectangle 130">
+                <a:hlinkClick r:id="rId4"/>
+              </p:cNvPr>
+              <p:cNvSpPr/>
+              <p:nvPr/>
+            </p:nvSpPr>
+            <p:spPr>
+              <a:xfrm>
+                <a:off x="3794760" y="8251012"/>
+                <a:ext cx="11750040" cy="237197"/>
+              </a:xfrm>
+              <a:prstGeom prst="rect">
+                <a:avLst/>
+              </a:prstGeom>
+              <a:gradFill flip="none" rotWithShape="1">
+                <a:gsLst>
+                  <a:gs pos="0">
+                    <a:srgbClr val="FFC000"/>
+                  </a:gs>
+                  <a:gs pos="100000">
+                    <a:schemeClr val="bg2">
+                      <a:lumMod val="90000"/>
+                      <a:alpha val="41000"/>
+                    </a:schemeClr>
+                  </a:gs>
+                </a:gsLst>
+                <a:path path="circle">
+                  <a:fillToRect l="50000" t="50000" r="50000" b="50000"/>
+                </a:path>
+                <a:tileRect/>
+              </a:gradFill>
+              <a:ln>
+                <a:noFill/>
+              </a:ln>
+              <a:effectLst/>
+            </p:spPr>
+            <p:style>
+              <a:lnRef idx="1">
+                <a:schemeClr val="accent1"/>
+              </a:lnRef>
+              <a:fillRef idx="2">
+                <a:schemeClr val="accent1"/>
+              </a:fillRef>
+              <a:effectRef idx="1">
+                <a:schemeClr val="accent1"/>
+              </a:effectRef>
+              <a:fontRef idx="minor">
+                <a:schemeClr val="dk1"/>
+              </a:fontRef>
+            </p:style>
+            <p:txBody>
+              <a:bodyPr rtlCol="0" anchor="ctr"/>
+              <a:lstStyle/>
+              <a:p>
+                <a:pPr algn="ctr"/>
+                <a:r>
+                  <a:rPr lang="en-US" sz="1600" dirty="0" smtClean="0"/>
+                  <a:t>Scientific Revolution</a:t>
+                </a:r>
+                <a:endParaRPr lang="en-US" sz="1600" dirty="0"/>
+              </a:p>
+            </p:txBody>
+          </p:sp>
+          <p:sp>
+            <p:nvSpPr>
+              <p:cNvPr id="132" name="Rectangle 131">
+                <a:hlinkClick r:id="rId4"/>
+              </p:cNvPr>
+              <p:cNvSpPr/>
+              <p:nvPr/>
+            </p:nvSpPr>
+            <p:spPr>
+              <a:xfrm>
+                <a:off x="8321040" y="8823116"/>
+                <a:ext cx="6858000" cy="216038"/>
+              </a:xfrm>
+              <a:prstGeom prst="rect">
+                <a:avLst/>
+              </a:prstGeom>
+              <a:gradFill flip="none" rotWithShape="1">
+                <a:gsLst>
+                  <a:gs pos="0">
+                    <a:srgbClr val="FFC000"/>
+                  </a:gs>
+                  <a:gs pos="100000">
+                    <a:schemeClr val="bg2">
+                      <a:lumMod val="90000"/>
+                      <a:alpha val="41000"/>
+                    </a:schemeClr>
+                  </a:gs>
+                </a:gsLst>
+                <a:path path="circle">
+                  <a:fillToRect l="50000" t="50000" r="50000" b="50000"/>
+                </a:path>
+                <a:tileRect/>
+              </a:gradFill>
+              <a:ln>
+                <a:noFill/>
+              </a:ln>
+              <a:effectLst/>
+            </p:spPr>
+            <p:style>
+              <a:lnRef idx="1">
+                <a:schemeClr val="accent1"/>
+              </a:lnRef>
+              <a:fillRef idx="2">
+                <a:schemeClr val="accent1"/>
+              </a:fillRef>
+              <a:effectRef idx="1">
+                <a:schemeClr val="accent1"/>
+              </a:effectRef>
+              <a:fontRef idx="minor">
+                <a:schemeClr val="dk1"/>
+              </a:fontRef>
+            </p:style>
+            <p:txBody>
+              <a:bodyPr rtlCol="0" anchor="ctr"/>
+              <a:lstStyle/>
+              <a:p>
+                <a:pPr algn="ctr"/>
+                <a:r>
+                  <a:rPr lang="en-US" sz="1600" dirty="0" smtClean="0"/>
+                  <a:t>Emergence of Social Sciences</a:t>
+                </a:r>
+                <a:endParaRPr lang="en-US" sz="1600" dirty="0"/>
+              </a:p>
+            </p:txBody>
+          </p:sp>
+          <p:sp>
+            <p:nvSpPr>
+              <p:cNvPr id="133" name="Rectangle 132">
+                <a:hlinkClick r:id="rId4"/>
+              </p:cNvPr>
+              <p:cNvSpPr/>
+              <p:nvPr/>
+            </p:nvSpPr>
+            <p:spPr>
+              <a:xfrm>
+                <a:off x="17373600" y="8251012"/>
+                <a:ext cx="1828800" cy="789534"/>
+              </a:xfrm>
+              <a:prstGeom prst="rect">
+                <a:avLst/>
+              </a:prstGeom>
+              <a:gradFill flip="none" rotWithShape="1">
+                <a:gsLst>
+                  <a:gs pos="0">
+                    <a:srgbClr val="FFC000"/>
+                  </a:gs>
+                  <a:gs pos="100000">
+                    <a:schemeClr val="bg2">
+                      <a:lumMod val="90000"/>
+                      <a:alpha val="41000"/>
+                    </a:schemeClr>
+                  </a:gs>
+                </a:gsLst>
+                <a:path path="circle">
+                  <a:fillToRect l="50000" t="50000" r="50000" b="50000"/>
+                </a:path>
+                <a:tileRect/>
+              </a:gradFill>
+              <a:ln>
+                <a:noFill/>
+              </a:ln>
+              <a:effectLst/>
+            </p:spPr>
+            <p:style>
+              <a:lnRef idx="1">
+                <a:schemeClr val="accent1"/>
+              </a:lnRef>
+              <a:fillRef idx="2">
+                <a:schemeClr val="accent1"/>
+              </a:fillRef>
+              <a:effectRef idx="1">
+                <a:schemeClr val="accent1"/>
+              </a:effectRef>
+              <a:fontRef idx="minor">
+                <a:schemeClr val="dk1"/>
+              </a:fontRef>
+            </p:style>
+            <p:txBody>
+              <a:bodyPr rtlCol="0" anchor="ctr"/>
+              <a:lstStyle/>
+              <a:p>
+                <a:pPr algn="ctr"/>
+                <a:r>
+                  <a:rPr lang="en-US" sz="1600" dirty="0" smtClean="0"/>
+                  <a:t>Positivism</a:t>
+                </a:r>
+                <a:endParaRPr lang="en-US" sz="1600" dirty="0"/>
+              </a:p>
+            </p:txBody>
+          </p:sp>
+          <p:sp>
+            <p:nvSpPr>
+              <p:cNvPr id="130" name="Rectangle 129">
+                <a:hlinkClick r:id="rId4"/>
+              </p:cNvPr>
+              <p:cNvSpPr/>
+              <p:nvPr/>
+            </p:nvSpPr>
+            <p:spPr>
+              <a:xfrm>
+                <a:off x="8046720" y="8568408"/>
+                <a:ext cx="6995160" cy="197969"/>
+              </a:xfrm>
+              <a:prstGeom prst="rect">
+                <a:avLst/>
+              </a:prstGeom>
+              <a:gradFill flip="none" rotWithShape="1">
+                <a:gsLst>
+                  <a:gs pos="0">
+                    <a:srgbClr val="FFC000"/>
+                  </a:gs>
+                  <a:gs pos="100000">
+                    <a:schemeClr val="bg2">
+                      <a:lumMod val="90000"/>
+                      <a:alpha val="41000"/>
+                    </a:schemeClr>
+                  </a:gs>
+                </a:gsLst>
+                <a:path path="circle">
+                  <a:fillToRect l="50000" t="50000" r="50000" b="50000"/>
+                </a:path>
+                <a:tileRect/>
+              </a:gradFill>
+              <a:ln>
+                <a:noFill/>
+              </a:ln>
+              <a:effectLst/>
+            </p:spPr>
+            <p:style>
+              <a:lnRef idx="1">
+                <a:schemeClr val="accent1"/>
+              </a:lnRef>
+              <a:fillRef idx="2">
+                <a:schemeClr val="accent1"/>
+              </a:fillRef>
+              <a:effectRef idx="1">
+                <a:schemeClr val="accent1"/>
+              </a:effectRef>
+              <a:fontRef idx="minor">
+                <a:schemeClr val="dk1"/>
+              </a:fontRef>
+            </p:style>
+            <p:txBody>
+              <a:bodyPr rtlCol="0" anchor="ctr"/>
+              <a:lstStyle/>
+              <a:p>
+                <a:pPr algn="ctr"/>
+                <a:r>
+                  <a:rPr lang="en-US" sz="1600" dirty="0" smtClean="0"/>
+                  <a:t>Enlightenment</a:t>
+                </a:r>
+                <a:endParaRPr lang="en-US" sz="1600" dirty="0"/>
+              </a:p>
+            </p:txBody>
+          </p:sp>
+        </p:grpSp>
+        <p:pic>
+          <p:nvPicPr>
+            <p:cNvPr id="96" name="Picture 95"/>
+            <p:cNvPicPr>
+              <a:picLocks noChangeAspect="1"/>
+            </p:cNvPicPr>
+            <p:nvPr/>
+          </p:nvPicPr>
+          <p:blipFill>
+            <a:blip r:embed="rId5" cstate="print">
+              <a:extLst>
+                <a:ext uri="{28A0092B-C50C-407E-A947-70E740481C1C}">
+                  <a14:useLocalDpi xmlns:a14="http://schemas.microsoft.com/office/drawing/2010/main" val="0"/>
+                </a:ext>
+              </a:extLst>
+            </a:blip>
+            <a:stretch>
+              <a:fillRect/>
+            </a:stretch>
+          </p:blipFill>
+          <p:spPr>
+            <a:xfrm>
+              <a:off x="-2743200" y="152401"/>
+              <a:ext cx="32004000" cy="8382000"/>
+            </a:xfrm>
+            <a:prstGeom prst="rect">
+              <a:avLst/>
+            </a:prstGeom>
+          </p:spPr>
+        </p:pic>
+      </p:grpSp>
       <p:sp>
         <p:nvSpPr>
           <p:cNvPr id="234" name="Rectangle 233"/>
@@ -9331,7 +9846,7 @@
         </p:nvSpPr>
         <p:spPr>
           <a:xfrm>
-            <a:off x="14676120" y="3962400"/>
+            <a:off x="14676120" y="3505200"/>
             <a:ext cx="4069080" cy="182880"/>
           </a:xfrm>
           <a:prstGeom prst="rect">
@@ -9381,7 +9896,7 @@
         </p:nvSpPr>
         <p:spPr>
           <a:xfrm>
-            <a:off x="12025996" y="6446520"/>
+            <a:off x="12025996" y="4495800"/>
             <a:ext cx="3063240" cy="182880"/>
           </a:xfrm>
           <a:prstGeom prst="rect">
@@ -9439,7 +9954,7 @@
         </p:nvSpPr>
         <p:spPr>
           <a:xfrm>
-            <a:off x="11477356" y="4984462"/>
+            <a:off x="11477356" y="6713220"/>
             <a:ext cx="2971800" cy="182880"/>
           </a:xfrm>
           <a:prstGeom prst="rect">
@@ -9492,7 +10007,7 @@
       <p:sp>
         <p:nvSpPr>
           <p:cNvPr id="55" name="Rectangle 54">
-            <a:hlinkClick r:id="rId5"/>
+            <a:hlinkClick r:id="rId6"/>
           </p:cNvPr>
           <p:cNvSpPr/>
           <p:nvPr/>
@@ -9543,7 +10058,7 @@
       <p:sp>
         <p:nvSpPr>
           <p:cNvPr id="56" name="Rectangle 55">
-            <a:hlinkClick r:id="rId6"/>
+            <a:hlinkClick r:id="rId7"/>
           </p:cNvPr>
           <p:cNvSpPr/>
           <p:nvPr/>
@@ -9594,7 +10109,7 @@
       <p:sp>
         <p:nvSpPr>
           <p:cNvPr id="57" name="Rectangle 56">
-            <a:hlinkClick r:id="rId7"/>
+            <a:hlinkClick r:id="rId8"/>
           </p:cNvPr>
           <p:cNvSpPr/>
           <p:nvPr/>
@@ -9654,7 +10169,7 @@
       <p:sp>
         <p:nvSpPr>
           <p:cNvPr id="58" name="Rectangle 57">
-            <a:hlinkClick r:id="rId7"/>
+            <a:hlinkClick r:id="rId8"/>
           </p:cNvPr>
           <p:cNvSpPr/>
           <p:nvPr/>
@@ -9705,7 +10220,7 @@
       <p:sp>
         <p:nvSpPr>
           <p:cNvPr id="59" name="Rectangle 58">
-            <a:hlinkClick r:id="rId8"/>
+            <a:hlinkClick r:id="rId9"/>
           </p:cNvPr>
           <p:cNvSpPr/>
           <p:nvPr/>
@@ -9882,7 +10397,7 @@
         <p:sp>
           <p:nvSpPr>
             <p:cNvPr id="64" name="Rectangle 63">
-              <a:hlinkClick r:id="rId7"/>
+              <a:hlinkClick r:id="rId8"/>
             </p:cNvPr>
             <p:cNvSpPr/>
             <p:nvPr/>
@@ -10191,7 +10706,7 @@
       <p:sp>
         <p:nvSpPr>
           <p:cNvPr id="72" name="Rectangle 71">
-            <a:hlinkClick r:id="rId7"/>
+            <a:hlinkClick r:id="rId8"/>
           </p:cNvPr>
           <p:cNvSpPr/>
           <p:nvPr/>
@@ -10242,14 +10757,14 @@
       <p:sp>
         <p:nvSpPr>
           <p:cNvPr id="75" name="Rectangle 74">
-            <a:hlinkClick r:id="rId7"/>
+            <a:hlinkClick r:id="rId8"/>
           </p:cNvPr>
           <p:cNvSpPr/>
           <p:nvPr/>
         </p:nvSpPr>
         <p:spPr>
           <a:xfrm>
-            <a:off x="13213080" y="1752600"/>
+            <a:off x="13213080" y="1676400"/>
             <a:ext cx="3566160" cy="182880"/>
           </a:xfrm>
           <a:prstGeom prst="rect">
@@ -10294,14 +10809,14 @@
       <p:sp>
         <p:nvSpPr>
           <p:cNvPr id="76" name="Rectangle 75">
-            <a:hlinkClick r:id="rId7"/>
+            <a:hlinkClick r:id="rId8"/>
           </p:cNvPr>
           <p:cNvSpPr/>
           <p:nvPr/>
         </p:nvSpPr>
         <p:spPr>
           <a:xfrm>
-            <a:off x="14493240" y="2286000"/>
+            <a:off x="14493240" y="2438400"/>
             <a:ext cx="3566160" cy="182880"/>
           </a:xfrm>
           <a:prstGeom prst="rect">
@@ -10366,8 +10881,71 @@
         </p:nvSpPr>
         <p:spPr>
           <a:xfrm>
-            <a:off x="15819120" y="5313481"/>
+            <a:off x="15819120" y="4998720"/>
             <a:ext cx="3063240" cy="182880"/>
+          </a:xfrm>
+          <a:prstGeom prst="rect">
+            <a:avLst/>
+          </a:prstGeom>
+          <a:solidFill>
+            <a:schemeClr val="accent3">
+              <a:lumMod val="60000"/>
+              <a:lumOff val="40000"/>
+            </a:schemeClr>
+          </a:solidFill>
+          <a:ln w="28575">
+            <a:solidFill>
+              <a:schemeClr val="tx1"/>
+            </a:solidFill>
+          </a:ln>
+        </p:spPr>
+        <p:style>
+          <a:lnRef idx="2">
+            <a:schemeClr val="accent1">
+              <a:shade val="50000"/>
+            </a:schemeClr>
+          </a:lnRef>
+          <a:fillRef idx="1">
+            <a:schemeClr val="accent1"/>
+          </a:fillRef>
+          <a:effectRef idx="0">
+            <a:schemeClr val="accent1"/>
+          </a:effectRef>
+          <a:fontRef idx="minor">
+            <a:schemeClr val="lt1"/>
+          </a:fontRef>
+        </p:style>
+        <p:txBody>
+          <a:bodyPr rtlCol="0" anchor="ctr"/>
+          <a:lstStyle/>
+          <a:p>
+            <a:pPr algn="ctr"/>
+            <a:r>
+              <a:rPr lang="en-US" sz="1200" dirty="0" smtClean="0">
+                <a:solidFill>
+                  <a:schemeClr val="tx1"/>
+                </a:solidFill>
+              </a:rPr>
+              <a:t>John Stewart Mill</a:t>
+            </a:r>
+            <a:endParaRPr lang="en-US" sz="1200" dirty="0">
+              <a:solidFill>
+                <a:schemeClr val="tx1"/>
+              </a:solidFill>
+            </a:endParaRPr>
+          </a:p>
+        </p:txBody>
+      </p:sp>
+      <p:sp>
+        <p:nvSpPr>
+          <p:cNvPr id="78" name="Rectangle 77"/>
+          <p:cNvSpPr/>
+          <p:nvPr/>
+        </p:nvSpPr>
+        <p:spPr>
+          <a:xfrm>
+            <a:off x="16550640" y="4648200"/>
+            <a:ext cx="4069080" cy="182880"/>
           </a:xfrm>
           <a:prstGeom prst="rect">
             <a:avLst/>
@@ -10411,7 +10989,7 @@
                   <a:schemeClr val="tx1"/>
                 </a:solidFill>
               </a:rPr>
-              <a:t>John Stewart Mill</a:t>
+              <a:t>Francis Galton</a:t>
             </a:r>
             <a:endParaRPr lang="en-US" sz="1200" dirty="0">
               <a:solidFill>
@@ -10423,14 +11001,14 @@
       </p:sp>
       <p:sp>
         <p:nvSpPr>
-          <p:cNvPr id="78" name="Rectangle 77"/>
+          <p:cNvPr id="79" name="Rectangle 78"/>
           <p:cNvSpPr/>
           <p:nvPr/>
         </p:nvSpPr>
         <p:spPr>
           <a:xfrm>
-            <a:off x="16550640" y="5609340"/>
-            <a:ext cx="4069080" cy="182880"/>
+            <a:off x="18150840" y="4312920"/>
+            <a:ext cx="3611880" cy="182880"/>
           </a:xfrm>
           <a:prstGeom prst="rect">
             <a:avLst/>
@@ -10474,7 +11052,7 @@
                   <a:schemeClr val="tx1"/>
                 </a:solidFill>
               </a:rPr>
-              <a:t>Francis Galton</a:t>
+              <a:t>Karl Pearson</a:t>
             </a:r>
             <a:endParaRPr lang="en-US" sz="1200" dirty="0">
               <a:solidFill>
@@ -10486,14 +11064,211 @@
       </p:sp>
       <p:sp>
         <p:nvSpPr>
-          <p:cNvPr id="79" name="Rectangle 78"/>
+          <p:cNvPr id="80" name="Rectangle 79"/>
           <p:cNvSpPr/>
           <p:nvPr/>
         </p:nvSpPr>
         <p:spPr>
           <a:xfrm>
-            <a:off x="18150840" y="5914140"/>
-            <a:ext cx="3611880" cy="182880"/>
+            <a:off x="19659600" y="3703320"/>
+            <a:ext cx="3291840" cy="182880"/>
+          </a:xfrm>
+          <a:prstGeom prst="rect">
+            <a:avLst/>
+          </a:prstGeom>
+          <a:solidFill>
+            <a:schemeClr val="accent3">
+              <a:lumMod val="60000"/>
+              <a:lumOff val="40000"/>
+            </a:schemeClr>
+          </a:solidFill>
+          <a:ln w="28575">
+            <a:solidFill>
+              <a:schemeClr val="tx1"/>
+            </a:solidFill>
+          </a:ln>
+        </p:spPr>
+        <p:style>
+          <a:lnRef idx="2">
+            <a:schemeClr val="accent1">
+              <a:shade val="50000"/>
+            </a:schemeClr>
+          </a:lnRef>
+          <a:fillRef idx="1">
+            <a:schemeClr val="accent1"/>
+          </a:fillRef>
+          <a:effectRef idx="0">
+            <a:schemeClr val="accent1"/>
+          </a:effectRef>
+          <a:fontRef idx="minor">
+            <a:schemeClr val="lt1"/>
+          </a:fontRef>
+        </p:style>
+        <p:txBody>
+          <a:bodyPr rtlCol="0" anchor="ctr"/>
+          <a:lstStyle/>
+          <a:p>
+            <a:pPr algn="ctr"/>
+            <a:r>
+              <a:rPr lang="en-US" sz="1200" dirty="0" smtClean="0">
+                <a:solidFill>
+                  <a:schemeClr val="tx1"/>
+                </a:solidFill>
+              </a:rPr>
+              <a:t>Ronald Fisher</a:t>
+            </a:r>
+            <a:endParaRPr lang="en-US" sz="1200" dirty="0">
+              <a:solidFill>
+                <a:schemeClr val="tx1"/>
+              </a:solidFill>
+            </a:endParaRPr>
+          </a:p>
+        </p:txBody>
+      </p:sp>
+      <p:sp>
+        <p:nvSpPr>
+          <p:cNvPr id="81" name="Rectangle 80"/>
+          <p:cNvSpPr/>
+          <p:nvPr/>
+        </p:nvSpPr>
+        <p:spPr>
+          <a:xfrm>
+            <a:off x="19248120" y="5105400"/>
+            <a:ext cx="4251960" cy="182880"/>
+          </a:xfrm>
+          <a:prstGeom prst="rect">
+            <a:avLst/>
+          </a:prstGeom>
+          <a:solidFill>
+            <a:schemeClr val="accent2">
+              <a:lumMod val="60000"/>
+              <a:lumOff val="40000"/>
+            </a:schemeClr>
+          </a:solidFill>
+          <a:ln w="9525">
+            <a:solidFill>
+              <a:schemeClr val="tx1"/>
+            </a:solidFill>
+          </a:ln>
+        </p:spPr>
+        <p:style>
+          <a:lnRef idx="2">
+            <a:schemeClr val="accent1">
+              <a:shade val="50000"/>
+            </a:schemeClr>
+          </a:lnRef>
+          <a:fillRef idx="1">
+            <a:schemeClr val="accent1"/>
+          </a:fillRef>
+          <a:effectRef idx="0">
+            <a:schemeClr val="accent1"/>
+          </a:effectRef>
+          <a:fontRef idx="minor">
+            <a:schemeClr val="lt1"/>
+          </a:fontRef>
+        </p:style>
+        <p:txBody>
+          <a:bodyPr rtlCol="0" anchor="ctr"/>
+          <a:lstStyle/>
+          <a:p>
+            <a:pPr algn="ctr"/>
+            <a:r>
+              <a:rPr lang="en-US" sz="1200" dirty="0" smtClean="0">
+                <a:solidFill>
+                  <a:schemeClr val="tx1"/>
+                </a:solidFill>
+              </a:rPr>
+              <a:t>George </a:t>
+            </a:r>
+            <a:r>
+              <a:rPr lang="en-US" sz="1200" dirty="0" err="1" smtClean="0">
+                <a:solidFill>
+                  <a:schemeClr val="tx1"/>
+                </a:solidFill>
+              </a:rPr>
+              <a:t>Snedecor</a:t>
+            </a:r>
+            <a:endParaRPr lang="en-US" sz="1200" dirty="0">
+              <a:solidFill>
+                <a:schemeClr val="tx1"/>
+              </a:solidFill>
+            </a:endParaRPr>
+          </a:p>
+        </p:txBody>
+      </p:sp>
+      <p:sp>
+        <p:nvSpPr>
+          <p:cNvPr id="82" name="Rectangle 81"/>
+          <p:cNvSpPr/>
+          <p:nvPr/>
+        </p:nvSpPr>
+        <p:spPr>
+          <a:xfrm>
+            <a:off x="20436840" y="5410200"/>
+            <a:ext cx="3200400" cy="182880"/>
+          </a:xfrm>
+          <a:prstGeom prst="rect">
+            <a:avLst/>
+          </a:prstGeom>
+          <a:solidFill>
+            <a:schemeClr val="accent2">
+              <a:lumMod val="60000"/>
+              <a:lumOff val="40000"/>
+            </a:schemeClr>
+          </a:solidFill>
+          <a:ln w="9525">
+            <a:solidFill>
+              <a:schemeClr val="tx1"/>
+            </a:solidFill>
+          </a:ln>
+        </p:spPr>
+        <p:style>
+          <a:lnRef idx="2">
+            <a:schemeClr val="accent1">
+              <a:shade val="50000"/>
+            </a:schemeClr>
+          </a:lnRef>
+          <a:fillRef idx="1">
+            <a:schemeClr val="accent1"/>
+          </a:fillRef>
+          <a:effectRef idx="0">
+            <a:schemeClr val="accent1"/>
+          </a:effectRef>
+          <a:fontRef idx="minor">
+            <a:schemeClr val="lt1"/>
+          </a:fontRef>
+        </p:style>
+        <p:txBody>
+          <a:bodyPr rtlCol="0" anchor="ctr"/>
+          <a:lstStyle/>
+          <a:p>
+            <a:pPr algn="ctr"/>
+            <a:r>
+              <a:rPr lang="en-US" sz="1200" dirty="0" smtClean="0">
+                <a:solidFill>
+                  <a:schemeClr val="tx1"/>
+                </a:solidFill>
+              </a:rPr>
+              <a:t>Henry Scheffe</a:t>
+            </a:r>
+            <a:endParaRPr lang="en-US" sz="1200" dirty="0">
+              <a:solidFill>
+                <a:schemeClr val="tx1"/>
+              </a:solidFill>
+            </a:endParaRPr>
+          </a:p>
+        </p:txBody>
+      </p:sp>
+      <p:sp>
+        <p:nvSpPr>
+          <p:cNvPr id="83" name="Rectangle 82"/>
+          <p:cNvSpPr/>
+          <p:nvPr/>
+        </p:nvSpPr>
+        <p:spPr>
+          <a:xfrm>
+            <a:off x="18425160" y="2590800"/>
+            <a:ext cx="3749040" cy="182880"/>
           </a:xfrm>
           <a:prstGeom prst="rect">
             <a:avLst/>
@@ -10537,7 +11312,7 @@
                   <a:schemeClr val="tx1"/>
                 </a:solidFill>
               </a:rPr>
-              <a:t>Karl Pearson</a:t>
+              <a:t>Charles Spearman</a:t>
             </a:r>
             <a:endParaRPr lang="en-US" sz="1200" dirty="0">
               <a:solidFill>
@@ -10549,14 +11324,395 @@
       </p:sp>
       <p:sp>
         <p:nvSpPr>
-          <p:cNvPr id="80" name="Rectangle 79"/>
+          <p:cNvPr id="84" name="Rectangle 83"/>
           <p:cNvSpPr/>
           <p:nvPr/>
         </p:nvSpPr>
         <p:spPr>
           <a:xfrm>
-            <a:off x="19659600" y="6227881"/>
-            <a:ext cx="3291840" cy="182880"/>
+            <a:off x="4756516" y="1808281"/>
+            <a:ext cx="3566160" cy="182880"/>
+          </a:xfrm>
+          <a:prstGeom prst="rect">
+            <a:avLst/>
+          </a:prstGeom>
+          <a:solidFill>
+            <a:schemeClr val="accent1">
+              <a:lumMod val="60000"/>
+              <a:lumOff val="40000"/>
+            </a:schemeClr>
+          </a:solidFill>
+          <a:ln>
+            <a:noFill/>
+          </a:ln>
+        </p:spPr>
+        <p:style>
+          <a:lnRef idx="2">
+            <a:schemeClr val="accent1">
+              <a:shade val="50000"/>
+            </a:schemeClr>
+          </a:lnRef>
+          <a:fillRef idx="1">
+            <a:schemeClr val="accent1"/>
+          </a:fillRef>
+          <a:effectRef idx="0">
+            <a:schemeClr val="accent1"/>
+          </a:effectRef>
+          <a:fontRef idx="minor">
+            <a:schemeClr val="lt1"/>
+          </a:fontRef>
+        </p:style>
+        <p:txBody>
+          <a:bodyPr rtlCol="0" anchor="ctr"/>
+          <a:lstStyle/>
+          <a:p>
+            <a:pPr algn="ctr"/>
+            <a:r>
+              <a:rPr lang="en-US" sz="1000" dirty="0">
+                <a:solidFill>
+                  <a:schemeClr val="tx1"/>
+                </a:solidFill>
+                <a:latin typeface="Gill Sans MT" panose="020B0502020104020203" pitchFamily="34" charset="0"/>
+                <a:cs typeface="Adobe Arabic" panose="02040503050201020203" pitchFamily="18" charset="-78"/>
+              </a:rPr>
+              <a:t>Galileo Galilei</a:t>
+            </a:r>
+          </a:p>
+        </p:txBody>
+      </p:sp>
+      <p:sp>
+        <p:nvSpPr>
+          <p:cNvPr id="86" name="Rectangle 85"/>
+          <p:cNvSpPr/>
+          <p:nvPr/>
+        </p:nvSpPr>
+        <p:spPr>
+          <a:xfrm>
+            <a:off x="19522440" y="2286000"/>
+            <a:ext cx="3108960" cy="182880"/>
+          </a:xfrm>
+          <a:prstGeom prst="rect">
+            <a:avLst/>
+          </a:prstGeom>
+          <a:solidFill>
+            <a:schemeClr val="accent2">
+              <a:lumMod val="60000"/>
+              <a:lumOff val="40000"/>
+            </a:schemeClr>
+          </a:solidFill>
+          <a:ln w="9525">
+            <a:solidFill>
+              <a:schemeClr val="tx1"/>
+            </a:solidFill>
+          </a:ln>
+        </p:spPr>
+        <p:style>
+          <a:lnRef idx="2">
+            <a:schemeClr val="accent1">
+              <a:shade val="50000"/>
+            </a:schemeClr>
+          </a:lnRef>
+          <a:fillRef idx="1">
+            <a:schemeClr val="accent1"/>
+          </a:fillRef>
+          <a:effectRef idx="0">
+            <a:schemeClr val="accent1"/>
+          </a:effectRef>
+          <a:fontRef idx="minor">
+            <a:schemeClr val="lt1"/>
+          </a:fontRef>
+        </p:style>
+        <p:txBody>
+          <a:bodyPr rtlCol="0" anchor="ctr"/>
+          <a:lstStyle/>
+          <a:p>
+            <a:pPr algn="ctr"/>
+            <a:r>
+              <a:rPr lang="en-US" sz="1200" dirty="0" smtClean="0">
+                <a:solidFill>
+                  <a:schemeClr val="tx1"/>
+                </a:solidFill>
+              </a:rPr>
+              <a:t>L.L. Turnstone</a:t>
+            </a:r>
+            <a:endParaRPr lang="en-US" sz="1200" dirty="0">
+              <a:solidFill>
+                <a:schemeClr val="tx1"/>
+              </a:solidFill>
+            </a:endParaRPr>
+          </a:p>
+        </p:txBody>
+      </p:sp>
+      <p:sp>
+        <p:nvSpPr>
+          <p:cNvPr id="87" name="Rectangle 86"/>
+          <p:cNvSpPr/>
+          <p:nvPr/>
+        </p:nvSpPr>
+        <p:spPr>
+          <a:xfrm>
+            <a:off x="21396960" y="4770120"/>
+            <a:ext cx="3749040" cy="182880"/>
+          </a:xfrm>
+          <a:prstGeom prst="rect">
+            <a:avLst/>
+          </a:prstGeom>
+          <a:solidFill>
+            <a:schemeClr val="accent2">
+              <a:lumMod val="60000"/>
+              <a:lumOff val="40000"/>
+            </a:schemeClr>
+          </a:solidFill>
+          <a:ln w="9525">
+            <a:solidFill>
+              <a:schemeClr val="tx1"/>
+            </a:solidFill>
+          </a:ln>
+        </p:spPr>
+        <p:style>
+          <a:lnRef idx="2">
+            <a:schemeClr val="accent1">
+              <a:shade val="50000"/>
+            </a:schemeClr>
+          </a:lnRef>
+          <a:fillRef idx="1">
+            <a:schemeClr val="accent1"/>
+          </a:fillRef>
+          <a:effectRef idx="0">
+            <a:schemeClr val="accent1"/>
+          </a:effectRef>
+          <a:fontRef idx="minor">
+            <a:schemeClr val="lt1"/>
+          </a:fontRef>
+        </p:style>
+        <p:txBody>
+          <a:bodyPr rtlCol="0" anchor="ctr"/>
+          <a:lstStyle/>
+          <a:p>
+            <a:pPr algn="ctr"/>
+            <a:r>
+              <a:rPr lang="en-US" sz="1200" dirty="0" smtClean="0">
+                <a:solidFill>
+                  <a:schemeClr val="tx1"/>
+                </a:solidFill>
+              </a:rPr>
+              <a:t>Joseph Kruskal</a:t>
+            </a:r>
+            <a:endParaRPr lang="en-US" sz="1200" dirty="0">
+              <a:solidFill>
+                <a:schemeClr val="tx1"/>
+              </a:solidFill>
+            </a:endParaRPr>
+          </a:p>
+        </p:txBody>
+      </p:sp>
+      <p:sp>
+        <p:nvSpPr>
+          <p:cNvPr id="88" name="Rectangle 87"/>
+          <p:cNvSpPr/>
+          <p:nvPr/>
+        </p:nvSpPr>
+        <p:spPr>
+          <a:xfrm>
+            <a:off x="20345400" y="1752600"/>
+            <a:ext cx="4251960" cy="182880"/>
+          </a:xfrm>
+          <a:prstGeom prst="rect">
+            <a:avLst/>
+          </a:prstGeom>
+          <a:solidFill>
+            <a:schemeClr val="accent2">
+              <a:lumMod val="60000"/>
+              <a:lumOff val="40000"/>
+            </a:schemeClr>
+          </a:solidFill>
+          <a:ln w="9525">
+            <a:solidFill>
+              <a:schemeClr val="tx1"/>
+            </a:solidFill>
+          </a:ln>
+        </p:spPr>
+        <p:style>
+          <a:lnRef idx="2">
+            <a:schemeClr val="accent1">
+              <a:shade val="50000"/>
+            </a:schemeClr>
+          </a:lnRef>
+          <a:fillRef idx="1">
+            <a:schemeClr val="accent1"/>
+          </a:fillRef>
+          <a:effectRef idx="0">
+            <a:schemeClr val="accent1"/>
+          </a:effectRef>
+          <a:fontRef idx="minor">
+            <a:schemeClr val="lt1"/>
+          </a:fontRef>
+        </p:style>
+        <p:txBody>
+          <a:bodyPr rtlCol="0" anchor="ctr"/>
+          <a:lstStyle/>
+          <a:p>
+            <a:pPr algn="ctr"/>
+            <a:r>
+              <a:rPr lang="en-US" sz="1200" dirty="0" smtClean="0">
+                <a:solidFill>
+                  <a:schemeClr val="tx1"/>
+                </a:solidFill>
+              </a:rPr>
+              <a:t>Raymond Cattell</a:t>
+            </a:r>
+            <a:endParaRPr lang="en-US" sz="1200" dirty="0">
+              <a:solidFill>
+                <a:schemeClr val="tx1"/>
+              </a:solidFill>
+            </a:endParaRPr>
+          </a:p>
+        </p:txBody>
+      </p:sp>
+      <p:sp>
+        <p:nvSpPr>
+          <p:cNvPr id="89" name="Rectangle 88"/>
+          <p:cNvSpPr/>
+          <p:nvPr/>
+        </p:nvSpPr>
+        <p:spPr>
+          <a:xfrm>
+            <a:off x="20802600" y="1402080"/>
+            <a:ext cx="3886200" cy="182880"/>
+          </a:xfrm>
+          <a:prstGeom prst="rect">
+            <a:avLst/>
+          </a:prstGeom>
+          <a:solidFill>
+            <a:schemeClr val="accent2">
+              <a:lumMod val="60000"/>
+              <a:lumOff val="40000"/>
+            </a:schemeClr>
+          </a:solidFill>
+          <a:ln w="28575">
+            <a:solidFill>
+              <a:schemeClr val="tx1"/>
+            </a:solidFill>
+          </a:ln>
+        </p:spPr>
+        <p:style>
+          <a:lnRef idx="2">
+            <a:schemeClr val="accent1">
+              <a:shade val="50000"/>
+            </a:schemeClr>
+          </a:lnRef>
+          <a:fillRef idx="1">
+            <a:schemeClr val="accent1"/>
+          </a:fillRef>
+          <a:effectRef idx="0">
+            <a:schemeClr val="accent1"/>
+          </a:effectRef>
+          <a:fontRef idx="minor">
+            <a:schemeClr val="lt1"/>
+          </a:fontRef>
+        </p:style>
+        <p:txBody>
+          <a:bodyPr rtlCol="0" anchor="ctr"/>
+          <a:lstStyle/>
+          <a:p>
+            <a:pPr algn="ctr"/>
+            <a:r>
+              <a:rPr lang="en-US" sz="1200" dirty="0" smtClean="0">
+                <a:solidFill>
+                  <a:schemeClr val="tx1"/>
+                </a:solidFill>
+              </a:rPr>
+              <a:t>John Tukey</a:t>
+            </a:r>
+            <a:endParaRPr lang="en-US" sz="1200" dirty="0">
+              <a:solidFill>
+                <a:schemeClr val="tx1"/>
+              </a:solidFill>
+            </a:endParaRPr>
+          </a:p>
+        </p:txBody>
+      </p:sp>
+      <p:sp>
+        <p:nvSpPr>
+          <p:cNvPr id="114" name="Rectangle 113"/>
+          <p:cNvSpPr/>
+          <p:nvPr/>
+        </p:nvSpPr>
+        <p:spPr>
+          <a:xfrm>
+            <a:off x="20848320" y="1143000"/>
+            <a:ext cx="4114800" cy="182880"/>
+          </a:xfrm>
+          <a:prstGeom prst="rect">
+            <a:avLst/>
+          </a:prstGeom>
+          <a:solidFill>
+            <a:schemeClr val="accent2">
+              <a:lumMod val="60000"/>
+              <a:lumOff val="40000"/>
+            </a:schemeClr>
+          </a:solidFill>
+          <a:ln w="9525">
+            <a:solidFill>
+              <a:schemeClr val="tx1"/>
+            </a:solidFill>
+          </a:ln>
+        </p:spPr>
+        <p:style>
+          <a:lnRef idx="2">
+            <a:schemeClr val="accent1">
+              <a:shade val="50000"/>
+            </a:schemeClr>
+          </a:lnRef>
+          <a:fillRef idx="1">
+            <a:schemeClr val="accent1"/>
+          </a:fillRef>
+          <a:effectRef idx="0">
+            <a:schemeClr val="accent1"/>
+          </a:effectRef>
+          <a:fontRef idx="minor">
+            <a:schemeClr val="lt1"/>
+          </a:fontRef>
+        </p:style>
+        <p:txBody>
+          <a:bodyPr rtlCol="0" anchor="ctr"/>
+          <a:lstStyle/>
+          <a:p>
+            <a:pPr algn="ctr"/>
+            <a:r>
+              <a:rPr lang="en-US" sz="1200" dirty="0" smtClean="0">
+                <a:solidFill>
+                  <a:schemeClr val="tx1"/>
+                </a:solidFill>
+              </a:rPr>
+              <a:t>Frederick </a:t>
+            </a:r>
+            <a:r>
+              <a:rPr lang="en-US" sz="1200" dirty="0" err="1" smtClean="0">
+                <a:solidFill>
+                  <a:schemeClr val="tx1"/>
+                </a:solidFill>
+              </a:rPr>
+              <a:t>Mosteller</a:t>
+            </a:r>
+            <a:endParaRPr lang="en-US" sz="1200" dirty="0">
+              <a:solidFill>
+                <a:schemeClr val="tx1"/>
+              </a:solidFill>
+            </a:endParaRPr>
+          </a:p>
+        </p:txBody>
+      </p:sp>
+      <p:sp>
+        <p:nvSpPr>
+          <p:cNvPr id="116" name="Rectangle 115"/>
+          <p:cNvSpPr/>
+          <p:nvPr/>
+        </p:nvSpPr>
+        <p:spPr>
+          <a:xfrm>
+            <a:off x="7315200" y="3657600"/>
+            <a:ext cx="2468880" cy="182880"/>
           </a:xfrm>
           <a:prstGeom prst="rect">
             <a:avLst/>
@@ -10600,7 +11756,7 @@
                   <a:schemeClr val="tx1"/>
                 </a:solidFill>
               </a:rPr>
-              <a:t>Ronald Fisher</a:t>
+              <a:t>John Graunt</a:t>
             </a:r>
             <a:endParaRPr lang="en-US" sz="1200" dirty="0">
               <a:solidFill>
@@ -10612,14 +11768,978 @@
       </p:sp>
       <p:sp>
         <p:nvSpPr>
-          <p:cNvPr id="81" name="Rectangle 80"/>
+          <p:cNvPr id="117" name="Rectangle 116">
+            <a:hlinkClick r:id="rId8"/>
+          </p:cNvPr>
           <p:cNvSpPr/>
           <p:nvPr/>
         </p:nvSpPr>
         <p:spPr>
           <a:xfrm>
-            <a:off x="19248120" y="5359201"/>
-            <a:ext cx="4251960" cy="182880"/>
+            <a:off x="3931920" y="1549201"/>
+            <a:ext cx="2514600" cy="182880"/>
+          </a:xfrm>
+          <a:prstGeom prst="rect">
+            <a:avLst/>
+          </a:prstGeom>
+          <a:solidFill>
+            <a:schemeClr val="accent1">
+              <a:lumMod val="60000"/>
+              <a:lumOff val="40000"/>
+            </a:schemeClr>
+          </a:solidFill>
+          <a:ln>
+            <a:noFill/>
+          </a:ln>
+        </p:spPr>
+        <p:style>
+          <a:lnRef idx="2">
+            <a:schemeClr val="accent1">
+              <a:shade val="50000"/>
+            </a:schemeClr>
+          </a:lnRef>
+          <a:fillRef idx="1">
+            <a:schemeClr val="accent1"/>
+          </a:fillRef>
+          <a:effectRef idx="0">
+            <a:schemeClr val="accent1"/>
+          </a:effectRef>
+          <a:fontRef idx="minor">
+            <a:schemeClr val="lt1"/>
+          </a:fontRef>
+        </p:style>
+        <p:txBody>
+          <a:bodyPr rtlCol="0" anchor="ctr"/>
+          <a:lstStyle/>
+          <a:p>
+            <a:pPr algn="ctr"/>
+            <a:r>
+              <a:rPr lang="en-US" sz="1000" dirty="0" smtClean="0">
+                <a:solidFill>
+                  <a:schemeClr val="tx1"/>
+                </a:solidFill>
+                <a:latin typeface="Gill Sans MT" panose="020B0502020104020203" pitchFamily="34" charset="0"/>
+                <a:cs typeface="Adobe Arabic" panose="02040503050201020203" pitchFamily="18" charset="-78"/>
+              </a:rPr>
+              <a:t>Tyco Brahe</a:t>
+            </a:r>
+            <a:endParaRPr lang="en-US" sz="1000" dirty="0">
+              <a:solidFill>
+                <a:schemeClr val="tx1"/>
+              </a:solidFill>
+              <a:latin typeface="Gill Sans MT" panose="020B0502020104020203" pitchFamily="34" charset="0"/>
+              <a:cs typeface="Adobe Arabic" panose="02040503050201020203" pitchFamily="18" charset="-78"/>
+            </a:endParaRPr>
+          </a:p>
+        </p:txBody>
+      </p:sp>
+      <p:sp>
+        <p:nvSpPr>
+          <p:cNvPr id="118" name="Rectangle 117">
+            <a:hlinkClick r:id="rId8"/>
+          </p:cNvPr>
+          <p:cNvSpPr/>
+          <p:nvPr/>
+        </p:nvSpPr>
+        <p:spPr>
+          <a:xfrm>
+            <a:off x="5074920" y="1274881"/>
+            <a:ext cx="2697480" cy="182880"/>
+          </a:xfrm>
+          <a:prstGeom prst="rect">
+            <a:avLst/>
+          </a:prstGeom>
+          <a:solidFill>
+            <a:schemeClr val="accent1">
+              <a:lumMod val="60000"/>
+              <a:lumOff val="40000"/>
+            </a:schemeClr>
+          </a:solidFill>
+          <a:ln>
+            <a:noFill/>
+          </a:ln>
+        </p:spPr>
+        <p:style>
+          <a:lnRef idx="2">
+            <a:schemeClr val="accent1">
+              <a:shade val="50000"/>
+            </a:schemeClr>
+          </a:lnRef>
+          <a:fillRef idx="1">
+            <a:schemeClr val="accent1"/>
+          </a:fillRef>
+          <a:effectRef idx="0">
+            <a:schemeClr val="accent1"/>
+          </a:effectRef>
+          <a:fontRef idx="minor">
+            <a:schemeClr val="lt1"/>
+          </a:fontRef>
+        </p:style>
+        <p:txBody>
+          <a:bodyPr rtlCol="0" anchor="ctr"/>
+          <a:lstStyle/>
+          <a:p>
+            <a:pPr algn="ctr"/>
+            <a:r>
+              <a:rPr lang="en-US" sz="1000" dirty="0" smtClean="0">
+                <a:solidFill>
+                  <a:schemeClr val="tx1"/>
+                </a:solidFill>
+                <a:latin typeface="Gill Sans MT" panose="020B0502020104020203" pitchFamily="34" charset="0"/>
+                <a:cs typeface="Adobe Arabic" panose="02040503050201020203" pitchFamily="18" charset="-78"/>
+              </a:rPr>
+              <a:t>Johannes Kepler</a:t>
+            </a:r>
+            <a:endParaRPr lang="en-US" sz="1000" dirty="0">
+              <a:solidFill>
+                <a:schemeClr val="tx1"/>
+              </a:solidFill>
+              <a:latin typeface="Gill Sans MT" panose="020B0502020104020203" pitchFamily="34" charset="0"/>
+              <a:cs typeface="Adobe Arabic" panose="02040503050201020203" pitchFamily="18" charset="-78"/>
+            </a:endParaRPr>
+          </a:p>
+        </p:txBody>
+      </p:sp>
+      <p:sp>
+        <p:nvSpPr>
+          <p:cNvPr id="119" name="Rectangle 118">
+            <a:hlinkClick r:id="rId8"/>
+          </p:cNvPr>
+          <p:cNvSpPr/>
+          <p:nvPr/>
+        </p:nvSpPr>
+        <p:spPr>
+          <a:xfrm>
+            <a:off x="594360" y="1549201"/>
+            <a:ext cx="3200400" cy="182880"/>
+          </a:xfrm>
+          <a:prstGeom prst="rect">
+            <a:avLst/>
+          </a:prstGeom>
+          <a:solidFill>
+            <a:schemeClr val="accent1">
+              <a:lumMod val="60000"/>
+              <a:lumOff val="40000"/>
+            </a:schemeClr>
+          </a:solidFill>
+          <a:ln>
+            <a:noFill/>
+          </a:ln>
+        </p:spPr>
+        <p:style>
+          <a:lnRef idx="2">
+            <a:schemeClr val="accent1">
+              <a:shade val="50000"/>
+            </a:schemeClr>
+          </a:lnRef>
+          <a:fillRef idx="1">
+            <a:schemeClr val="accent1"/>
+          </a:fillRef>
+          <a:effectRef idx="0">
+            <a:schemeClr val="accent1"/>
+          </a:effectRef>
+          <a:fontRef idx="minor">
+            <a:schemeClr val="lt1"/>
+          </a:fontRef>
+        </p:style>
+        <p:txBody>
+          <a:bodyPr rtlCol="0" anchor="ctr"/>
+          <a:lstStyle/>
+          <a:p>
+            <a:pPr algn="ctr"/>
+            <a:r>
+              <a:rPr lang="en-US" sz="1000" dirty="0" smtClean="0">
+                <a:solidFill>
+                  <a:schemeClr val="tx1"/>
+                </a:solidFill>
+                <a:latin typeface="Gill Sans MT" panose="020B0502020104020203" pitchFamily="34" charset="0"/>
+                <a:cs typeface="Adobe Arabic" panose="02040503050201020203" pitchFamily="18" charset="-78"/>
+              </a:rPr>
+              <a:t>Nicola Copernicus</a:t>
+            </a:r>
+            <a:endParaRPr lang="en-US" sz="1000" dirty="0">
+              <a:solidFill>
+                <a:schemeClr val="tx1"/>
+              </a:solidFill>
+              <a:latin typeface="Gill Sans MT" panose="020B0502020104020203" pitchFamily="34" charset="0"/>
+              <a:cs typeface="Adobe Arabic" panose="02040503050201020203" pitchFamily="18" charset="-78"/>
+            </a:endParaRPr>
+          </a:p>
+        </p:txBody>
+      </p:sp>
+      <p:sp>
+        <p:nvSpPr>
+          <p:cNvPr id="120" name="Rectangle 119"/>
+          <p:cNvSpPr/>
+          <p:nvPr/>
+        </p:nvSpPr>
+        <p:spPr>
+          <a:xfrm>
+            <a:off x="8961120" y="5943600"/>
+            <a:ext cx="3931920" cy="182880"/>
+          </a:xfrm>
+          <a:prstGeom prst="rect">
+            <a:avLst/>
+          </a:prstGeom>
+          <a:solidFill>
+            <a:schemeClr val="accent3">
+              <a:lumMod val="60000"/>
+              <a:lumOff val="40000"/>
+            </a:schemeClr>
+          </a:solidFill>
+          <a:ln w="9525">
+            <a:solidFill>
+              <a:schemeClr val="tx1"/>
+            </a:solidFill>
+          </a:ln>
+        </p:spPr>
+        <p:style>
+          <a:lnRef idx="2">
+            <a:schemeClr val="accent1">
+              <a:shade val="50000"/>
+            </a:schemeClr>
+          </a:lnRef>
+          <a:fillRef idx="1">
+            <a:schemeClr val="accent1"/>
+          </a:fillRef>
+          <a:effectRef idx="0">
+            <a:schemeClr val="accent1"/>
+          </a:effectRef>
+          <a:fontRef idx="minor">
+            <a:schemeClr val="lt1"/>
+          </a:fontRef>
+        </p:style>
+        <p:txBody>
+          <a:bodyPr rtlCol="0" anchor="ctr"/>
+          <a:lstStyle/>
+          <a:p>
+            <a:pPr algn="ctr"/>
+            <a:r>
+              <a:rPr lang="en-US" sz="1200" dirty="0" smtClean="0">
+                <a:solidFill>
+                  <a:schemeClr val="tx1"/>
+                </a:solidFill>
+              </a:rPr>
+              <a:t>Edmond Halley</a:t>
+            </a:r>
+            <a:endParaRPr lang="en-US" sz="1200" dirty="0">
+              <a:solidFill>
+                <a:schemeClr val="tx1"/>
+              </a:solidFill>
+            </a:endParaRPr>
+          </a:p>
+        </p:txBody>
+      </p:sp>
+      <p:sp>
+        <p:nvSpPr>
+          <p:cNvPr id="121" name="Rectangle 120">
+            <a:hlinkClick r:id="rId8"/>
+          </p:cNvPr>
+          <p:cNvSpPr/>
+          <p:nvPr/>
+        </p:nvSpPr>
+        <p:spPr>
+          <a:xfrm>
+            <a:off x="10972800" y="3627120"/>
+            <a:ext cx="3337560" cy="182880"/>
+          </a:xfrm>
+          <a:prstGeom prst="rect">
+            <a:avLst/>
+          </a:prstGeom>
+          <a:solidFill>
+            <a:srgbClr val="7030A0"/>
+          </a:solidFill>
+          <a:ln>
+            <a:noFill/>
+          </a:ln>
+        </p:spPr>
+        <p:style>
+          <a:lnRef idx="2">
+            <a:schemeClr val="accent1">
+              <a:shade val="50000"/>
+            </a:schemeClr>
+          </a:lnRef>
+          <a:fillRef idx="1">
+            <a:schemeClr val="accent1"/>
+          </a:fillRef>
+          <a:effectRef idx="0">
+            <a:schemeClr val="accent1"/>
+          </a:effectRef>
+          <a:fontRef idx="minor">
+            <a:schemeClr val="lt1"/>
+          </a:fontRef>
+        </p:style>
+        <p:txBody>
+          <a:bodyPr rtlCol="0" anchor="ctr"/>
+          <a:lstStyle/>
+          <a:p>
+            <a:pPr algn="ctr"/>
+            <a:r>
+              <a:rPr lang="en-US" sz="1200" dirty="0"/>
+              <a:t>Philippe Buache</a:t>
+            </a:r>
+          </a:p>
+        </p:txBody>
+      </p:sp>
+      <p:sp>
+        <p:nvSpPr>
+          <p:cNvPr id="123" name="Rectangle 122"/>
+          <p:cNvSpPr/>
+          <p:nvPr/>
+        </p:nvSpPr>
+        <p:spPr>
+          <a:xfrm>
+            <a:off x="12481560" y="5379720"/>
+            <a:ext cx="3246120" cy="182880"/>
+          </a:xfrm>
+          <a:prstGeom prst="rect">
+            <a:avLst/>
+          </a:prstGeom>
+          <a:solidFill>
+            <a:schemeClr val="accent3">
+              <a:lumMod val="60000"/>
+              <a:lumOff val="40000"/>
+            </a:schemeClr>
+          </a:solidFill>
+          <a:ln w="9525">
+            <a:solidFill>
+              <a:schemeClr val="tx1"/>
+            </a:solidFill>
+          </a:ln>
+        </p:spPr>
+        <p:style>
+          <a:lnRef idx="2">
+            <a:schemeClr val="accent1">
+              <a:shade val="50000"/>
+            </a:schemeClr>
+          </a:lnRef>
+          <a:fillRef idx="1">
+            <a:schemeClr val="accent1"/>
+          </a:fillRef>
+          <a:effectRef idx="0">
+            <a:schemeClr val="accent1"/>
+          </a:effectRef>
+          <a:fontRef idx="minor">
+            <a:schemeClr val="lt1"/>
+          </a:fontRef>
+        </p:style>
+        <p:txBody>
+          <a:bodyPr rtlCol="0" anchor="ctr"/>
+          <a:lstStyle/>
+          <a:p>
+            <a:pPr algn="ctr"/>
+            <a:r>
+              <a:rPr lang="en-US" sz="1200" dirty="0" smtClean="0">
+                <a:solidFill>
+                  <a:schemeClr val="tx1"/>
+                </a:solidFill>
+              </a:rPr>
+              <a:t>Joseph Priestley</a:t>
+            </a:r>
+            <a:endParaRPr lang="en-US" sz="1200" dirty="0">
+              <a:solidFill>
+                <a:schemeClr val="tx1"/>
+              </a:solidFill>
+            </a:endParaRPr>
+          </a:p>
+        </p:txBody>
+      </p:sp>
+      <p:sp>
+        <p:nvSpPr>
+          <p:cNvPr id="124" name="Rectangle 123"/>
+          <p:cNvSpPr/>
+          <p:nvPr/>
+        </p:nvSpPr>
+        <p:spPr>
+          <a:xfrm>
+            <a:off x="13670280" y="6172200"/>
+            <a:ext cx="2926080" cy="182880"/>
+          </a:xfrm>
+          <a:prstGeom prst="rect">
+            <a:avLst/>
+          </a:prstGeom>
+          <a:solidFill>
+            <a:schemeClr val="accent3">
+              <a:lumMod val="60000"/>
+              <a:lumOff val="40000"/>
+            </a:schemeClr>
+          </a:solidFill>
+          <a:ln w="9525">
+            <a:solidFill>
+              <a:schemeClr val="tx1"/>
+            </a:solidFill>
+          </a:ln>
+        </p:spPr>
+        <p:style>
+          <a:lnRef idx="2">
+            <a:schemeClr val="accent1">
+              <a:shade val="50000"/>
+            </a:schemeClr>
+          </a:lnRef>
+          <a:fillRef idx="1">
+            <a:schemeClr val="accent1"/>
+          </a:fillRef>
+          <a:effectRef idx="0">
+            <a:schemeClr val="accent1"/>
+          </a:effectRef>
+          <a:fontRef idx="minor">
+            <a:schemeClr val="lt1"/>
+          </a:fontRef>
+        </p:style>
+        <p:txBody>
+          <a:bodyPr rtlCol="0" anchor="ctr"/>
+          <a:lstStyle/>
+          <a:p>
+            <a:pPr algn="ctr"/>
+            <a:r>
+              <a:rPr lang="en-US" sz="1200" dirty="0" smtClean="0">
+                <a:solidFill>
+                  <a:schemeClr val="tx1"/>
+                </a:solidFill>
+              </a:rPr>
+              <a:t>William Playfair</a:t>
+            </a:r>
+            <a:endParaRPr lang="en-US" sz="1200" dirty="0">
+              <a:solidFill>
+                <a:schemeClr val="tx1"/>
+              </a:solidFill>
+            </a:endParaRPr>
+          </a:p>
+        </p:txBody>
+      </p:sp>
+      <p:sp>
+        <p:nvSpPr>
+          <p:cNvPr id="125" name="Rectangle 124">
+            <a:hlinkClick r:id="rId8"/>
+          </p:cNvPr>
+          <p:cNvSpPr/>
+          <p:nvPr/>
+        </p:nvSpPr>
+        <p:spPr>
+          <a:xfrm>
+            <a:off x="6309360" y="2113081"/>
+            <a:ext cx="3520440" cy="182880"/>
+          </a:xfrm>
+          <a:prstGeom prst="rect">
+            <a:avLst/>
+          </a:prstGeom>
+          <a:solidFill>
+            <a:schemeClr val="accent1">
+              <a:lumMod val="60000"/>
+              <a:lumOff val="40000"/>
+            </a:schemeClr>
+          </a:solidFill>
+          <a:ln>
+            <a:noFill/>
+          </a:ln>
+        </p:spPr>
+        <p:style>
+          <a:lnRef idx="2">
+            <a:schemeClr val="accent1">
+              <a:shade val="50000"/>
+            </a:schemeClr>
+          </a:lnRef>
+          <a:fillRef idx="1">
+            <a:schemeClr val="accent1"/>
+          </a:fillRef>
+          <a:effectRef idx="0">
+            <a:schemeClr val="accent1"/>
+          </a:effectRef>
+          <a:fontRef idx="minor">
+            <a:schemeClr val="lt1"/>
+          </a:fontRef>
+        </p:style>
+        <p:txBody>
+          <a:bodyPr rtlCol="0" anchor="ctr"/>
+          <a:lstStyle/>
+          <a:p>
+            <a:pPr algn="ctr"/>
+            <a:r>
+              <a:rPr lang="en-US" sz="1000" dirty="0">
+                <a:solidFill>
+                  <a:schemeClr val="tx1"/>
+                </a:solidFill>
+                <a:latin typeface="Gill Sans MT" panose="020B0502020104020203" pitchFamily="34" charset="0"/>
+                <a:cs typeface="Adobe Arabic" panose="02040503050201020203" pitchFamily="18" charset="-78"/>
+              </a:rPr>
+              <a:t>Michael Florent van Langren </a:t>
+            </a:r>
+          </a:p>
+        </p:txBody>
+      </p:sp>
+      <p:sp>
+        <p:nvSpPr>
+          <p:cNvPr id="126" name="Rectangle 125"/>
+          <p:cNvSpPr/>
+          <p:nvPr/>
+        </p:nvSpPr>
+        <p:spPr>
+          <a:xfrm>
+            <a:off x="16459200" y="5867400"/>
+            <a:ext cx="4114800" cy="182880"/>
+          </a:xfrm>
+          <a:prstGeom prst="rect">
+            <a:avLst/>
+          </a:prstGeom>
+          <a:solidFill>
+            <a:schemeClr val="accent3">
+              <a:lumMod val="60000"/>
+              <a:lumOff val="40000"/>
+            </a:schemeClr>
+          </a:solidFill>
+          <a:ln w="9525">
+            <a:solidFill>
+              <a:schemeClr val="tx1"/>
+            </a:solidFill>
+          </a:ln>
+        </p:spPr>
+        <p:style>
+          <a:lnRef idx="2">
+            <a:schemeClr val="accent1">
+              <a:shade val="50000"/>
+            </a:schemeClr>
+          </a:lnRef>
+          <a:fillRef idx="1">
+            <a:schemeClr val="accent1"/>
+          </a:fillRef>
+          <a:effectRef idx="0">
+            <a:schemeClr val="accent1"/>
+          </a:effectRef>
+          <a:fontRef idx="minor">
+            <a:schemeClr val="lt1"/>
+          </a:fontRef>
+        </p:style>
+        <p:txBody>
+          <a:bodyPr rtlCol="0" anchor="ctr"/>
+          <a:lstStyle/>
+          <a:p>
+            <a:pPr algn="ctr"/>
+            <a:r>
+              <a:rPr lang="en-US" sz="1200" dirty="0">
+                <a:solidFill>
+                  <a:schemeClr val="tx1"/>
+                </a:solidFill>
+              </a:rPr>
+              <a:t>Florence Nightingale </a:t>
+            </a:r>
+          </a:p>
+        </p:txBody>
+      </p:sp>
+      <p:sp>
+        <p:nvSpPr>
+          <p:cNvPr id="127" name="Rectangle 126"/>
+          <p:cNvSpPr/>
+          <p:nvPr/>
+        </p:nvSpPr>
+        <p:spPr>
+          <a:xfrm>
+            <a:off x="10700116" y="3093720"/>
+            <a:ext cx="3840480" cy="182880"/>
+          </a:xfrm>
+          <a:prstGeom prst="rect">
+            <a:avLst/>
+          </a:prstGeom>
+          <a:solidFill>
+            <a:srgbClr val="7030A0"/>
+          </a:solidFill>
+          <a:ln>
+            <a:noFill/>
+          </a:ln>
+        </p:spPr>
+        <p:style>
+          <a:lnRef idx="2">
+            <a:schemeClr val="accent1">
+              <a:shade val="50000"/>
+            </a:schemeClr>
+          </a:lnRef>
+          <a:fillRef idx="1">
+            <a:schemeClr val="accent1"/>
+          </a:fillRef>
+          <a:effectRef idx="0">
+            <a:schemeClr val="accent1"/>
+          </a:effectRef>
+          <a:fontRef idx="minor">
+            <a:schemeClr val="lt1"/>
+          </a:fontRef>
+        </p:style>
+        <p:txBody>
+          <a:bodyPr rtlCol="0" anchor="ctr"/>
+          <a:lstStyle/>
+          <a:p>
+            <a:pPr algn="ctr"/>
+            <a:r>
+              <a:rPr lang="en-US" sz="1200" dirty="0"/>
+              <a:t>Voltaire</a:t>
+            </a:r>
+          </a:p>
+        </p:txBody>
+      </p:sp>
+      <p:sp>
+        <p:nvSpPr>
+          <p:cNvPr id="128" name="Rectangle 127"/>
+          <p:cNvSpPr/>
+          <p:nvPr/>
+        </p:nvSpPr>
+        <p:spPr>
+          <a:xfrm>
+            <a:off x="8505556" y="1860262"/>
+            <a:ext cx="3200400" cy="182880"/>
+          </a:xfrm>
+          <a:prstGeom prst="rect">
+            <a:avLst/>
+          </a:prstGeom>
+          <a:solidFill>
+            <a:schemeClr val="accent1">
+              <a:lumMod val="60000"/>
+              <a:lumOff val="40000"/>
+            </a:schemeClr>
+          </a:solidFill>
+          <a:ln>
+            <a:noFill/>
+          </a:ln>
+        </p:spPr>
+        <p:style>
+          <a:lnRef idx="2">
+            <a:schemeClr val="accent1">
+              <a:shade val="50000"/>
+            </a:schemeClr>
+          </a:lnRef>
+          <a:fillRef idx="1">
+            <a:schemeClr val="accent1"/>
+          </a:fillRef>
+          <a:effectRef idx="0">
+            <a:schemeClr val="accent1"/>
+          </a:effectRef>
+          <a:fontRef idx="minor">
+            <a:schemeClr val="lt1"/>
+          </a:fontRef>
+        </p:style>
+        <p:txBody>
+          <a:bodyPr rtlCol="0" anchor="ctr"/>
+          <a:lstStyle/>
+          <a:p>
+            <a:pPr algn="ctr"/>
+            <a:r>
+              <a:rPr lang="en-US" sz="1000" dirty="0">
+                <a:solidFill>
+                  <a:schemeClr val="tx1"/>
+                </a:solidFill>
+                <a:latin typeface="Gill Sans MT" panose="020B0502020104020203" pitchFamily="34" charset="0"/>
+                <a:cs typeface="Adobe Arabic" panose="02040503050201020203" pitchFamily="18" charset="-78"/>
+              </a:rPr>
+              <a:t>Gottfried Leibniz</a:t>
+            </a:r>
+          </a:p>
+        </p:txBody>
+      </p:sp>
+      <p:sp>
+        <p:nvSpPr>
+          <p:cNvPr id="135" name="Rectangle 134">
+            <a:hlinkClick r:id="rId4"/>
+          </p:cNvPr>
+          <p:cNvSpPr/>
+          <p:nvPr/>
+        </p:nvSpPr>
+        <p:spPr>
+          <a:xfrm>
+            <a:off x="15361920" y="2895600"/>
+            <a:ext cx="3566160" cy="182880"/>
+          </a:xfrm>
+          <a:prstGeom prst="rect">
+            <a:avLst/>
+          </a:prstGeom>
+          <a:solidFill>
+            <a:schemeClr val="accent1">
+              <a:lumMod val="60000"/>
+              <a:lumOff val="40000"/>
+            </a:schemeClr>
+          </a:solidFill>
+          <a:ln>
+            <a:noFill/>
+          </a:ln>
+        </p:spPr>
+        <p:style>
+          <a:lnRef idx="2">
+            <a:schemeClr val="accent1">
+              <a:shade val="50000"/>
+            </a:schemeClr>
+          </a:lnRef>
+          <a:fillRef idx="1">
+            <a:schemeClr val="accent1"/>
+          </a:fillRef>
+          <a:effectRef idx="0">
+            <a:schemeClr val="accent1"/>
+          </a:effectRef>
+          <a:fontRef idx="minor">
+            <a:schemeClr val="lt1"/>
+          </a:fontRef>
+        </p:style>
+        <p:txBody>
+          <a:bodyPr rtlCol="0" anchor="ctr"/>
+          <a:lstStyle/>
+          <a:p>
+            <a:pPr algn="ctr"/>
+            <a:r>
+              <a:rPr lang="en-US" sz="1000" dirty="0">
+                <a:solidFill>
+                  <a:schemeClr val="tx1"/>
+                </a:solidFill>
+                <a:latin typeface="Gill Sans MT" panose="020B0502020104020203" pitchFamily="34" charset="0"/>
+                <a:cs typeface="Adobe Arabic" panose="02040503050201020203" pitchFamily="18" charset="-78"/>
+              </a:rPr>
+              <a:t>Lambert Quetelet </a:t>
+            </a:r>
+          </a:p>
+        </p:txBody>
+      </p:sp>
+      <p:sp>
+        <p:nvSpPr>
+          <p:cNvPr id="136" name="Rectangle 135">
+            <a:hlinkClick r:id="rId4"/>
+          </p:cNvPr>
+          <p:cNvSpPr/>
+          <p:nvPr/>
+        </p:nvSpPr>
+        <p:spPr>
+          <a:xfrm>
+            <a:off x="15636240" y="3200400"/>
+            <a:ext cx="2926080" cy="182880"/>
+          </a:xfrm>
+          <a:prstGeom prst="rect">
+            <a:avLst/>
+          </a:prstGeom>
+          <a:solidFill>
+            <a:srgbClr val="7030A0"/>
+          </a:solidFill>
+          <a:ln>
+            <a:noFill/>
+          </a:ln>
+        </p:spPr>
+        <p:style>
+          <a:lnRef idx="2">
+            <a:schemeClr val="accent1">
+              <a:shade val="50000"/>
+            </a:schemeClr>
+          </a:lnRef>
+          <a:fillRef idx="1">
+            <a:schemeClr val="accent1"/>
+          </a:fillRef>
+          <a:effectRef idx="0">
+            <a:schemeClr val="accent1"/>
+          </a:effectRef>
+          <a:fontRef idx="minor">
+            <a:schemeClr val="lt1"/>
+          </a:fontRef>
+        </p:style>
+        <p:txBody>
+          <a:bodyPr rtlCol="0" anchor="ctr"/>
+          <a:lstStyle/>
+          <a:p>
+            <a:pPr algn="ctr"/>
+            <a:r>
+              <a:rPr lang="en-US" sz="1200" b="1" dirty="0"/>
+              <a:t>André-Michel Guerry</a:t>
+            </a:r>
+            <a:endParaRPr lang="en-US" sz="1200" dirty="0"/>
+          </a:p>
+        </p:txBody>
+      </p:sp>
+      <p:sp>
+        <p:nvSpPr>
+          <p:cNvPr id="137" name="Rectangle 136"/>
+          <p:cNvSpPr/>
+          <p:nvPr/>
+        </p:nvSpPr>
+        <p:spPr>
+          <a:xfrm>
+            <a:off x="16139160" y="6446520"/>
+            <a:ext cx="2057400" cy="182880"/>
+          </a:xfrm>
+          <a:prstGeom prst="rect">
+            <a:avLst/>
+          </a:prstGeom>
+          <a:solidFill>
+            <a:schemeClr val="accent3">
+              <a:lumMod val="60000"/>
+              <a:lumOff val="40000"/>
+            </a:schemeClr>
+          </a:solidFill>
+          <a:ln w="9525">
+            <a:solidFill>
+              <a:schemeClr val="tx1"/>
+            </a:solidFill>
+          </a:ln>
+        </p:spPr>
+        <p:style>
+          <a:lnRef idx="2">
+            <a:schemeClr val="accent1">
+              <a:shade val="50000"/>
+            </a:schemeClr>
+          </a:lnRef>
+          <a:fillRef idx="1">
+            <a:schemeClr val="accent1"/>
+          </a:fillRef>
+          <a:effectRef idx="0">
+            <a:schemeClr val="accent1"/>
+          </a:effectRef>
+          <a:fontRef idx="minor">
+            <a:schemeClr val="lt1"/>
+          </a:fontRef>
+        </p:style>
+        <p:txBody>
+          <a:bodyPr rtlCol="0" anchor="ctr"/>
+          <a:lstStyle/>
+          <a:p>
+            <a:pPr algn="ctr"/>
+            <a:r>
+              <a:rPr lang="en-US" sz="1200" dirty="0" smtClean="0">
+                <a:solidFill>
+                  <a:schemeClr val="tx1"/>
+                </a:solidFill>
+              </a:rPr>
+              <a:t>John Snow</a:t>
+            </a:r>
+            <a:endParaRPr lang="en-US" sz="1200" dirty="0">
+              <a:solidFill>
+                <a:schemeClr val="tx1"/>
+              </a:solidFill>
+            </a:endParaRPr>
+          </a:p>
+        </p:txBody>
+      </p:sp>
+      <p:sp>
+        <p:nvSpPr>
+          <p:cNvPr id="91" name="Rectangle 90">
+            <a:hlinkClick r:id="rId8"/>
+          </p:cNvPr>
+          <p:cNvSpPr/>
+          <p:nvPr/>
+        </p:nvSpPr>
+        <p:spPr>
+          <a:xfrm>
+            <a:off x="7269480" y="6446520"/>
+            <a:ext cx="2926080" cy="182880"/>
+          </a:xfrm>
+          <a:prstGeom prst="rect">
+            <a:avLst/>
+          </a:prstGeom>
+          <a:solidFill>
+            <a:srgbClr val="7030A0"/>
+          </a:solidFill>
+          <a:ln>
+            <a:noFill/>
+          </a:ln>
+        </p:spPr>
+        <p:style>
+          <a:lnRef idx="2">
+            <a:schemeClr val="accent1">
+              <a:shade val="50000"/>
+            </a:schemeClr>
+          </a:lnRef>
+          <a:fillRef idx="1">
+            <a:schemeClr val="accent1"/>
+          </a:fillRef>
+          <a:effectRef idx="0">
+            <a:schemeClr val="accent1"/>
+          </a:effectRef>
+          <a:fontRef idx="minor">
+            <a:schemeClr val="lt1"/>
+          </a:fontRef>
+        </p:style>
+        <p:txBody>
+          <a:bodyPr rtlCol="0" anchor="ctr"/>
+          <a:lstStyle/>
+          <a:p>
+            <a:pPr algn="ctr"/>
+            <a:r>
+              <a:rPr lang="en-US" sz="1200" dirty="0" smtClean="0"/>
+              <a:t>Jean-Baptiste Colbert</a:t>
+            </a:r>
+            <a:endParaRPr lang="en-US" sz="1200" dirty="0"/>
+          </a:p>
+        </p:txBody>
+      </p:sp>
+      <p:sp>
+        <p:nvSpPr>
+          <p:cNvPr id="98" name="Rectangle 97"/>
+          <p:cNvSpPr/>
+          <p:nvPr/>
+        </p:nvSpPr>
+        <p:spPr>
+          <a:xfrm>
+            <a:off x="19888200" y="3258386"/>
+            <a:ext cx="3886200" cy="170614"/>
+          </a:xfrm>
+          <a:prstGeom prst="rect">
+            <a:avLst/>
+          </a:prstGeom>
+          <a:solidFill>
+            <a:schemeClr val="accent3">
+              <a:lumMod val="60000"/>
+              <a:lumOff val="40000"/>
+            </a:schemeClr>
+          </a:solidFill>
+          <a:ln w="9525">
+            <a:solidFill>
+              <a:schemeClr val="tx1"/>
+            </a:solidFill>
+          </a:ln>
+        </p:spPr>
+        <p:style>
+          <a:lnRef idx="2">
+            <a:schemeClr val="accent1">
+              <a:shade val="50000"/>
+            </a:schemeClr>
+          </a:lnRef>
+          <a:fillRef idx="1">
+            <a:schemeClr val="accent1"/>
+          </a:fillRef>
+          <a:effectRef idx="0">
+            <a:schemeClr val="accent1"/>
+          </a:effectRef>
+          <a:fontRef idx="minor">
+            <a:schemeClr val="lt1"/>
+          </a:fontRef>
+        </p:style>
+        <p:txBody>
+          <a:bodyPr rtlCol="0" anchor="ctr"/>
+          <a:lstStyle/>
+          <a:p>
+            <a:pPr algn="ctr"/>
+            <a:r>
+              <a:rPr lang="en-US" sz="1200" dirty="0" err="1" smtClean="0">
+                <a:solidFill>
+                  <a:schemeClr val="tx1"/>
+                </a:solidFill>
+              </a:rPr>
+              <a:t>Egon</a:t>
+            </a:r>
+            <a:r>
+              <a:rPr lang="en-US" sz="1200" dirty="0" smtClean="0">
+                <a:solidFill>
+                  <a:schemeClr val="tx1"/>
+                </a:solidFill>
+              </a:rPr>
+              <a:t> Pearson</a:t>
+            </a:r>
+            <a:endParaRPr lang="en-US" sz="1200" dirty="0">
+              <a:solidFill>
+                <a:schemeClr val="tx1"/>
+              </a:solidFill>
+            </a:endParaRPr>
+          </a:p>
+        </p:txBody>
+      </p:sp>
+      <p:sp>
+        <p:nvSpPr>
+          <p:cNvPr id="99" name="Rectangle 98"/>
+          <p:cNvSpPr/>
+          <p:nvPr/>
+        </p:nvSpPr>
+        <p:spPr>
+          <a:xfrm>
+            <a:off x="18928080" y="1981200"/>
+            <a:ext cx="3429000" cy="182880"/>
           </a:xfrm>
           <a:prstGeom prst="rect">
             <a:avLst/>
@@ -10663,15 +12783,7 @@
                   <a:schemeClr val="tx1"/>
                 </a:solidFill>
               </a:rPr>
-              <a:t>George </a:t>
-            </a:r>
-            <a:r>
-              <a:rPr lang="en-US" sz="1200" dirty="0" err="1" smtClean="0">
-                <a:solidFill>
-                  <a:schemeClr val="tx1"/>
-                </a:solidFill>
-              </a:rPr>
-              <a:t>Snedecor</a:t>
+              <a:t>Edward Thorndike</a:t>
             </a:r>
             <a:endParaRPr lang="en-US" sz="1200" dirty="0">
               <a:solidFill>
@@ -10683,14 +12795,14 @@
       </p:sp>
       <p:sp>
         <p:nvSpPr>
-          <p:cNvPr id="82" name="Rectangle 81"/>
+          <p:cNvPr id="100" name="Rectangle 99"/>
           <p:cNvSpPr/>
           <p:nvPr/>
         </p:nvSpPr>
         <p:spPr>
           <a:xfrm>
-            <a:off x="20436840" y="5054401"/>
-            <a:ext cx="3200400" cy="182880"/>
+            <a:off x="21122640" y="6400800"/>
+            <a:ext cx="3383280" cy="182880"/>
           </a:xfrm>
           <a:prstGeom prst="rect">
             <a:avLst/>
@@ -10734,7 +12846,7 @@
                   <a:schemeClr val="tx1"/>
                 </a:solidFill>
               </a:rPr>
-              <a:t>Henry Scheffe</a:t>
+              <a:t>Thomas Kuhn</a:t>
             </a:r>
             <a:endParaRPr lang="en-US" sz="1200" dirty="0">
               <a:solidFill>
@@ -10746,14 +12858,14 @@
       </p:sp>
       <p:sp>
         <p:nvSpPr>
-          <p:cNvPr id="83" name="Rectangle 82"/>
+          <p:cNvPr id="101" name="Rectangle 100"/>
           <p:cNvSpPr/>
           <p:nvPr/>
         </p:nvSpPr>
         <p:spPr>
           <a:xfrm>
-            <a:off x="18425160" y="4246681"/>
-            <a:ext cx="3749040" cy="182880"/>
+            <a:off x="20208240" y="6719353"/>
+            <a:ext cx="4206240" cy="170614"/>
           </a:xfrm>
           <a:prstGeom prst="rect">
             <a:avLst/>
@@ -10797,7 +12909,7 @@
                   <a:schemeClr val="tx1"/>
                 </a:solidFill>
               </a:rPr>
-              <a:t>Charles Spearman</a:t>
+              <a:t>Karl Popper</a:t>
             </a:r>
             <a:endParaRPr lang="en-US" sz="1200" dirty="0">
               <a:solidFill>
@@ -10809,72 +12921,14 @@
       </p:sp>
       <p:sp>
         <p:nvSpPr>
-          <p:cNvPr id="84" name="Rectangle 83"/>
+          <p:cNvPr id="102" name="Rectangle 101"/>
           <p:cNvSpPr/>
           <p:nvPr/>
         </p:nvSpPr>
         <p:spPr>
           <a:xfrm>
-            <a:off x="4756516" y="1808281"/>
-            <a:ext cx="3566160" cy="182880"/>
-          </a:xfrm>
-          <a:prstGeom prst="rect">
-            <a:avLst/>
-          </a:prstGeom>
-          <a:solidFill>
-            <a:schemeClr val="accent1">
-              <a:lumMod val="60000"/>
-              <a:lumOff val="40000"/>
-            </a:schemeClr>
-          </a:solidFill>
-          <a:ln>
-            <a:noFill/>
-          </a:ln>
-        </p:spPr>
-        <p:style>
-          <a:lnRef idx="2">
-            <a:schemeClr val="accent1">
-              <a:shade val="50000"/>
-            </a:schemeClr>
-          </a:lnRef>
-          <a:fillRef idx="1">
-            <a:schemeClr val="accent1"/>
-          </a:fillRef>
-          <a:effectRef idx="0">
-            <a:schemeClr val="accent1"/>
-          </a:effectRef>
-          <a:fontRef idx="minor">
-            <a:schemeClr val="lt1"/>
-          </a:fontRef>
-        </p:style>
-        <p:txBody>
-          <a:bodyPr rtlCol="0" anchor="ctr"/>
-          <a:lstStyle/>
-          <a:p>
-            <a:pPr algn="ctr"/>
-            <a:r>
-              <a:rPr lang="en-US" sz="1000" dirty="0">
-                <a:solidFill>
-                  <a:schemeClr val="tx1"/>
-                </a:solidFill>
-                <a:latin typeface="Gill Sans MT" panose="020B0502020104020203" pitchFamily="34" charset="0"/>
-                <a:cs typeface="Adobe Arabic" panose="02040503050201020203" pitchFamily="18" charset="-78"/>
-              </a:rPr>
-              <a:t>Galileo Galilei</a:t>
-            </a:r>
-          </a:p>
-        </p:txBody>
-      </p:sp>
-      <p:sp>
-        <p:nvSpPr>
-          <p:cNvPr id="86" name="Rectangle 85"/>
-          <p:cNvSpPr/>
-          <p:nvPr/>
-        </p:nvSpPr>
-        <p:spPr>
-          <a:xfrm>
-            <a:off x="19522440" y="3987601"/>
-            <a:ext cx="3108960" cy="182880"/>
+            <a:off x="20985480" y="4008120"/>
+            <a:ext cx="4297680" cy="182880"/>
           </a:xfrm>
           <a:prstGeom prst="rect">
             <a:avLst/>
@@ -10918,7 +12972,7 @@
                   <a:schemeClr val="tx1"/>
                 </a:solidFill>
               </a:rPr>
-              <a:t>L.L. Turnstone</a:t>
+              <a:t>George E.P. Box</a:t>
             </a:r>
             <a:endParaRPr lang="en-US" sz="1200" dirty="0">
               <a:solidFill>
@@ -10930,14 +12984,14 @@
       </p:sp>
       <p:sp>
         <p:nvSpPr>
-          <p:cNvPr id="87" name="Rectangle 86"/>
+          <p:cNvPr id="104" name="Rectangle 103"/>
           <p:cNvSpPr/>
           <p:nvPr/>
         </p:nvSpPr>
         <p:spPr>
           <a:xfrm>
-            <a:off x="21396960" y="4749601"/>
-            <a:ext cx="3749040" cy="182880"/>
+            <a:off x="19842480" y="3029786"/>
+            <a:ext cx="3977640" cy="182880"/>
           </a:xfrm>
           <a:prstGeom prst="rect">
             <a:avLst/>
@@ -10981,7 +13035,15 @@
                   <a:schemeClr val="tx1"/>
                 </a:solidFill>
               </a:rPr>
-              <a:t>Joseph Kruskal</a:t>
+              <a:t>Jerzy </a:t>
+            </a:r>
+            <a:r>
+              <a:rPr lang="en-US" sz="1200" dirty="0" err="1" smtClean="0">
+                <a:solidFill>
+                  <a:schemeClr val="tx1"/>
+                </a:solidFill>
+              </a:rPr>
+              <a:t>Neyman</a:t>
             </a:r>
             <a:endParaRPr lang="en-US" sz="1200" dirty="0">
               <a:solidFill>
@@ -10993,14 +13055,14 @@
       </p:sp>
       <p:sp>
         <p:nvSpPr>
-          <p:cNvPr id="88" name="Rectangle 87"/>
+          <p:cNvPr id="105" name="Rectangle 104"/>
           <p:cNvSpPr/>
           <p:nvPr/>
         </p:nvSpPr>
         <p:spPr>
           <a:xfrm>
-            <a:off x="20345400" y="4475281"/>
-            <a:ext cx="4251960" cy="182880"/>
+            <a:off x="21031200" y="6096000"/>
+            <a:ext cx="3794760" cy="182880"/>
           </a:xfrm>
           <a:prstGeom prst="rect">
             <a:avLst/>
@@ -11044,7 +13106,15 @@
                   <a:schemeClr val="tx1"/>
                 </a:solidFill>
               </a:rPr>
-              <a:t>Raymond Cattell</a:t>
+              <a:t>Paul </a:t>
+            </a:r>
+            <a:r>
+              <a:rPr lang="en-US" sz="1200" dirty="0" err="1" smtClean="0">
+                <a:solidFill>
+                  <a:schemeClr val="tx1"/>
+                </a:solidFill>
+              </a:rPr>
+              <a:t>Meehl</a:t>
             </a:r>
             <a:endParaRPr lang="en-US" sz="1200" dirty="0">
               <a:solidFill>
@@ -11056,62 +13126,37 @@
       </p:sp>
       <p:sp>
         <p:nvSpPr>
-          <p:cNvPr id="89" name="Rectangle 88"/>
-          <p:cNvSpPr/>
+          <p:cNvPr id="5" name="TextBox 4"/>
+          <p:cNvSpPr txBox="1"/>
           <p:nvPr/>
         </p:nvSpPr>
         <p:spPr>
           <a:xfrm>
-            <a:off x="20802600" y="6610062"/>
-            <a:ext cx="3886200" cy="182880"/>
+            <a:off x="1641292" y="7506714"/>
+            <a:ext cx="3202854" cy="307777"/>
           </a:xfrm>
           <a:prstGeom prst="rect">
             <a:avLst/>
           </a:prstGeom>
-          <a:solidFill>
-            <a:schemeClr val="accent2">
-              <a:lumMod val="60000"/>
-              <a:lumOff val="40000"/>
-            </a:schemeClr>
-          </a:solidFill>
-          <a:ln w="9525">
-            <a:solidFill>
-              <a:schemeClr val="tx1"/>
-            </a:solidFill>
-          </a:ln>
-        </p:spPr>
-        <p:style>
-          <a:lnRef idx="2">
-            <a:schemeClr val="accent1">
-              <a:shade val="50000"/>
-            </a:schemeClr>
-          </a:lnRef>
-          <a:fillRef idx="1">
-            <a:schemeClr val="accent1"/>
-          </a:fillRef>
-          <a:effectRef idx="0">
-            <a:schemeClr val="accent1"/>
-          </a:effectRef>
-          <a:fontRef idx="minor">
-            <a:schemeClr val="lt1"/>
-          </a:fontRef>
-        </p:style>
-        <p:txBody>
-          <a:bodyPr rtlCol="0" anchor="ctr"/>
-          <a:lstStyle/>
-          <a:p>
-            <a:pPr algn="ctr"/>
-            <a:r>
-              <a:rPr lang="en-US" sz="1200" dirty="0" smtClean="0">
+          <a:noFill/>
+        </p:spPr>
+        <p:txBody>
+          <a:bodyPr wrap="square" rtlCol="0">
+            <a:spAutoFit/>
+          </a:bodyPr>
+          <a:lstStyle/>
+          <a:p>
+            <a:r>
+              <a:rPr lang="en-US" sz="1400" dirty="0" smtClean="0">
                 <a:solidFill>
-                  <a:schemeClr val="tx1"/>
+                  <a:srgbClr val="D44546"/>
                 </a:solidFill>
               </a:rPr>
-              <a:t>John Tukey</a:t>
-            </a:r>
-            <a:endParaRPr lang="en-US" sz="1200" dirty="0">
+              <a:t>Population of Wester Europe, millions</a:t>
+            </a:r>
+            <a:endParaRPr lang="en-US" sz="1400" dirty="0">
               <a:solidFill>
-                <a:schemeClr val="tx1"/>
+                <a:srgbClr val="D44546"/>
               </a:solidFill>
             </a:endParaRPr>
           </a:p>
@@ -11119,414 +13164,16 @@
       </p:sp>
       <p:sp>
         <p:nvSpPr>
-          <p:cNvPr id="114" name="Rectangle 113"/>
-          <p:cNvSpPr/>
-          <p:nvPr/>
-        </p:nvSpPr>
-        <p:spPr>
-          <a:xfrm>
-            <a:off x="20848320" y="6883201"/>
-            <a:ext cx="4114800" cy="182880"/>
-          </a:xfrm>
-          <a:prstGeom prst="rect">
-            <a:avLst/>
-          </a:prstGeom>
-          <a:solidFill>
-            <a:schemeClr val="accent2">
-              <a:lumMod val="60000"/>
-              <a:lumOff val="40000"/>
-            </a:schemeClr>
-          </a:solidFill>
-          <a:ln w="9525">
-            <a:solidFill>
-              <a:schemeClr val="tx1"/>
-            </a:solidFill>
-          </a:ln>
-        </p:spPr>
-        <p:style>
-          <a:lnRef idx="2">
-            <a:schemeClr val="accent1">
-              <a:shade val="50000"/>
-            </a:schemeClr>
-          </a:lnRef>
-          <a:fillRef idx="1">
-            <a:schemeClr val="accent1"/>
-          </a:fillRef>
-          <a:effectRef idx="0">
-            <a:schemeClr val="accent1"/>
-          </a:effectRef>
-          <a:fontRef idx="minor">
-            <a:schemeClr val="lt1"/>
-          </a:fontRef>
-        </p:style>
-        <p:txBody>
-          <a:bodyPr rtlCol="0" anchor="ctr"/>
-          <a:lstStyle/>
-          <a:p>
-            <a:pPr algn="ctr"/>
-            <a:r>
-              <a:rPr lang="en-US" sz="1200" dirty="0" smtClean="0">
-                <a:solidFill>
-                  <a:schemeClr val="tx1"/>
-                </a:solidFill>
-              </a:rPr>
-              <a:t>Frederick </a:t>
-            </a:r>
-            <a:r>
-              <a:rPr lang="en-US" sz="1200" dirty="0" err="1" smtClean="0">
-                <a:solidFill>
-                  <a:schemeClr val="tx1"/>
-                </a:solidFill>
-              </a:rPr>
-              <a:t>Mosteller</a:t>
-            </a:r>
-            <a:endParaRPr lang="en-US" sz="1200" dirty="0">
-              <a:solidFill>
-                <a:schemeClr val="tx1"/>
-              </a:solidFill>
-            </a:endParaRPr>
-          </a:p>
-        </p:txBody>
-      </p:sp>
-      <p:sp>
-        <p:nvSpPr>
-          <p:cNvPr id="116" name="Rectangle 115"/>
-          <p:cNvSpPr/>
-          <p:nvPr/>
-        </p:nvSpPr>
-        <p:spPr>
-          <a:xfrm>
-            <a:off x="7315200" y="3657600"/>
-            <a:ext cx="2468880" cy="182880"/>
-          </a:xfrm>
-          <a:prstGeom prst="rect">
-            <a:avLst/>
-          </a:prstGeom>
-          <a:solidFill>
-            <a:schemeClr val="accent3">
-              <a:lumMod val="60000"/>
-              <a:lumOff val="40000"/>
-            </a:schemeClr>
-          </a:solidFill>
-          <a:ln w="9525">
-            <a:solidFill>
-              <a:schemeClr val="tx1"/>
-            </a:solidFill>
-          </a:ln>
-        </p:spPr>
-        <p:style>
-          <a:lnRef idx="2">
-            <a:schemeClr val="accent1">
-              <a:shade val="50000"/>
-            </a:schemeClr>
-          </a:lnRef>
-          <a:fillRef idx="1">
-            <a:schemeClr val="accent1"/>
-          </a:fillRef>
-          <a:effectRef idx="0">
-            <a:schemeClr val="accent1"/>
-          </a:effectRef>
-          <a:fontRef idx="minor">
-            <a:schemeClr val="lt1"/>
-          </a:fontRef>
-        </p:style>
-        <p:txBody>
-          <a:bodyPr rtlCol="0" anchor="ctr"/>
-          <a:lstStyle/>
-          <a:p>
-            <a:pPr algn="ctr"/>
-            <a:r>
-              <a:rPr lang="en-US" sz="1200" dirty="0" smtClean="0">
-                <a:solidFill>
-                  <a:schemeClr val="tx1"/>
-                </a:solidFill>
-              </a:rPr>
-              <a:t>John Graunt</a:t>
-            </a:r>
-            <a:endParaRPr lang="en-US" sz="1200" dirty="0">
-              <a:solidFill>
-                <a:schemeClr val="tx1"/>
-              </a:solidFill>
-            </a:endParaRPr>
-          </a:p>
-        </p:txBody>
-      </p:sp>
-      <p:sp>
-        <p:nvSpPr>
-          <p:cNvPr id="117" name="Rectangle 116">
-            <a:hlinkClick r:id="rId7"/>
+          <p:cNvPr id="107" name="Rectangle 106">
+            <a:hlinkClick r:id="rId8"/>
           </p:cNvPr>
           <p:cNvSpPr/>
           <p:nvPr/>
         </p:nvSpPr>
         <p:spPr>
           <a:xfrm>
-            <a:off x="3931920" y="1549201"/>
-            <a:ext cx="2514600" cy="182880"/>
-          </a:xfrm>
-          <a:prstGeom prst="rect">
-            <a:avLst/>
-          </a:prstGeom>
-          <a:solidFill>
-            <a:schemeClr val="accent1">
-              <a:lumMod val="60000"/>
-              <a:lumOff val="40000"/>
-            </a:schemeClr>
-          </a:solidFill>
-          <a:ln>
-            <a:noFill/>
-          </a:ln>
-        </p:spPr>
-        <p:style>
-          <a:lnRef idx="2">
-            <a:schemeClr val="accent1">
-              <a:shade val="50000"/>
-            </a:schemeClr>
-          </a:lnRef>
-          <a:fillRef idx="1">
-            <a:schemeClr val="accent1"/>
-          </a:fillRef>
-          <a:effectRef idx="0">
-            <a:schemeClr val="accent1"/>
-          </a:effectRef>
-          <a:fontRef idx="minor">
-            <a:schemeClr val="lt1"/>
-          </a:fontRef>
-        </p:style>
-        <p:txBody>
-          <a:bodyPr rtlCol="0" anchor="ctr"/>
-          <a:lstStyle/>
-          <a:p>
-            <a:pPr algn="ctr"/>
-            <a:r>
-              <a:rPr lang="en-US" sz="1000" dirty="0" smtClean="0">
-                <a:solidFill>
-                  <a:schemeClr val="tx1"/>
-                </a:solidFill>
-                <a:latin typeface="Gill Sans MT" panose="020B0502020104020203" pitchFamily="34" charset="0"/>
-                <a:cs typeface="Adobe Arabic" panose="02040503050201020203" pitchFamily="18" charset="-78"/>
-              </a:rPr>
-              <a:t>Tyco Brahe</a:t>
-            </a:r>
-            <a:endParaRPr lang="en-US" sz="1000" dirty="0">
-              <a:solidFill>
-                <a:schemeClr val="tx1"/>
-              </a:solidFill>
-              <a:latin typeface="Gill Sans MT" panose="020B0502020104020203" pitchFamily="34" charset="0"/>
-              <a:cs typeface="Adobe Arabic" panose="02040503050201020203" pitchFamily="18" charset="-78"/>
-            </a:endParaRPr>
-          </a:p>
-        </p:txBody>
-      </p:sp>
-      <p:sp>
-        <p:nvSpPr>
-          <p:cNvPr id="118" name="Rectangle 117">
-            <a:hlinkClick r:id="rId7"/>
-          </p:cNvPr>
-          <p:cNvSpPr/>
-          <p:nvPr/>
-        </p:nvSpPr>
-        <p:spPr>
-          <a:xfrm>
-            <a:off x="5074920" y="1274881"/>
-            <a:ext cx="2697480" cy="182880"/>
-          </a:xfrm>
-          <a:prstGeom prst="rect">
-            <a:avLst/>
-          </a:prstGeom>
-          <a:solidFill>
-            <a:schemeClr val="accent1">
-              <a:lumMod val="60000"/>
-              <a:lumOff val="40000"/>
-            </a:schemeClr>
-          </a:solidFill>
-          <a:ln>
-            <a:noFill/>
-          </a:ln>
-        </p:spPr>
-        <p:style>
-          <a:lnRef idx="2">
-            <a:schemeClr val="accent1">
-              <a:shade val="50000"/>
-            </a:schemeClr>
-          </a:lnRef>
-          <a:fillRef idx="1">
-            <a:schemeClr val="accent1"/>
-          </a:fillRef>
-          <a:effectRef idx="0">
-            <a:schemeClr val="accent1"/>
-          </a:effectRef>
-          <a:fontRef idx="minor">
-            <a:schemeClr val="lt1"/>
-          </a:fontRef>
-        </p:style>
-        <p:txBody>
-          <a:bodyPr rtlCol="0" anchor="ctr"/>
-          <a:lstStyle/>
-          <a:p>
-            <a:pPr algn="ctr"/>
-            <a:r>
-              <a:rPr lang="en-US" sz="1000" dirty="0" smtClean="0">
-                <a:solidFill>
-                  <a:schemeClr val="tx1"/>
-                </a:solidFill>
-                <a:latin typeface="Gill Sans MT" panose="020B0502020104020203" pitchFamily="34" charset="0"/>
-                <a:cs typeface="Adobe Arabic" panose="02040503050201020203" pitchFamily="18" charset="-78"/>
-              </a:rPr>
-              <a:t>Johannes Kepler</a:t>
-            </a:r>
-            <a:endParaRPr lang="en-US" sz="1000" dirty="0">
-              <a:solidFill>
-                <a:schemeClr val="tx1"/>
-              </a:solidFill>
-              <a:latin typeface="Gill Sans MT" panose="020B0502020104020203" pitchFamily="34" charset="0"/>
-              <a:cs typeface="Adobe Arabic" panose="02040503050201020203" pitchFamily="18" charset="-78"/>
-            </a:endParaRPr>
-          </a:p>
-        </p:txBody>
-      </p:sp>
-      <p:sp>
-        <p:nvSpPr>
-          <p:cNvPr id="119" name="Rectangle 118">
-            <a:hlinkClick r:id="rId7"/>
-          </p:cNvPr>
-          <p:cNvSpPr/>
-          <p:nvPr/>
-        </p:nvSpPr>
-        <p:spPr>
-          <a:xfrm>
-            <a:off x="594360" y="1549201"/>
-            <a:ext cx="3200400" cy="182880"/>
-          </a:xfrm>
-          <a:prstGeom prst="rect">
-            <a:avLst/>
-          </a:prstGeom>
-          <a:solidFill>
-            <a:schemeClr val="accent1">
-              <a:lumMod val="60000"/>
-              <a:lumOff val="40000"/>
-            </a:schemeClr>
-          </a:solidFill>
-          <a:ln>
-            <a:noFill/>
-          </a:ln>
-        </p:spPr>
-        <p:style>
-          <a:lnRef idx="2">
-            <a:schemeClr val="accent1">
-              <a:shade val="50000"/>
-            </a:schemeClr>
-          </a:lnRef>
-          <a:fillRef idx="1">
-            <a:schemeClr val="accent1"/>
-          </a:fillRef>
-          <a:effectRef idx="0">
-            <a:schemeClr val="accent1"/>
-          </a:effectRef>
-          <a:fontRef idx="minor">
-            <a:schemeClr val="lt1"/>
-          </a:fontRef>
-        </p:style>
-        <p:txBody>
-          <a:bodyPr rtlCol="0" anchor="ctr"/>
-          <a:lstStyle/>
-          <a:p>
-            <a:pPr algn="ctr"/>
-            <a:r>
-              <a:rPr lang="en-US" sz="1000" dirty="0" smtClean="0">
-                <a:solidFill>
-                  <a:schemeClr val="tx1"/>
-                </a:solidFill>
-                <a:latin typeface="Gill Sans MT" panose="020B0502020104020203" pitchFamily="34" charset="0"/>
-                <a:cs typeface="Adobe Arabic" panose="02040503050201020203" pitchFamily="18" charset="-78"/>
-              </a:rPr>
-              <a:t>Nicola Copernicus</a:t>
-            </a:r>
-            <a:endParaRPr lang="en-US" sz="1000" dirty="0">
-              <a:solidFill>
-                <a:schemeClr val="tx1"/>
-              </a:solidFill>
-              <a:latin typeface="Gill Sans MT" panose="020B0502020104020203" pitchFamily="34" charset="0"/>
-              <a:cs typeface="Adobe Arabic" panose="02040503050201020203" pitchFamily="18" charset="-78"/>
-            </a:endParaRPr>
-          </a:p>
-        </p:txBody>
-      </p:sp>
-      <p:sp>
-        <p:nvSpPr>
-          <p:cNvPr id="120" name="Rectangle 119"/>
-          <p:cNvSpPr/>
-          <p:nvPr/>
-        </p:nvSpPr>
-        <p:spPr>
-          <a:xfrm>
-            <a:off x="8961120" y="5836920"/>
-            <a:ext cx="3931920" cy="182880"/>
-          </a:xfrm>
-          <a:prstGeom prst="rect">
-            <a:avLst/>
-          </a:prstGeom>
-          <a:solidFill>
-            <a:schemeClr val="accent3">
-              <a:lumMod val="60000"/>
-              <a:lumOff val="40000"/>
-            </a:schemeClr>
-          </a:solidFill>
-          <a:ln w="9525">
-            <a:solidFill>
-              <a:schemeClr val="tx1"/>
-            </a:solidFill>
-          </a:ln>
-        </p:spPr>
-        <p:style>
-          <a:lnRef idx="2">
-            <a:schemeClr val="accent1">
-              <a:shade val="50000"/>
-            </a:schemeClr>
-          </a:lnRef>
-          <a:fillRef idx="1">
-            <a:schemeClr val="accent1"/>
-          </a:fillRef>
-          <a:effectRef idx="0">
-            <a:schemeClr val="accent1"/>
-          </a:effectRef>
-          <a:fontRef idx="minor">
-            <a:schemeClr val="lt1"/>
-          </a:fontRef>
-        </p:style>
-        <p:txBody>
-          <a:bodyPr rtlCol="0" anchor="ctr"/>
-          <a:lstStyle/>
-          <a:p>
-            <a:pPr algn="ctr"/>
-            <a:r>
-              <a:rPr lang="en-US" sz="1200" dirty="0" smtClean="0">
-                <a:solidFill>
-                  <a:schemeClr val="tx1"/>
-                </a:solidFill>
-              </a:rPr>
-              <a:t>Edmond Halley</a:t>
-            </a:r>
-            <a:endParaRPr lang="en-US" sz="1200" dirty="0">
-              <a:solidFill>
-                <a:schemeClr val="tx1"/>
-              </a:solidFill>
-            </a:endParaRPr>
-          </a:p>
-        </p:txBody>
-      </p:sp>
-      <p:sp>
-        <p:nvSpPr>
-          <p:cNvPr id="121" name="Rectangle 120">
-            <a:hlinkClick r:id="rId7"/>
-          </p:cNvPr>
-          <p:cNvSpPr/>
-          <p:nvPr/>
-        </p:nvSpPr>
-        <p:spPr>
-          <a:xfrm>
-            <a:off x="10972800" y="3713281"/>
-            <a:ext cx="3337560" cy="182880"/>
+            <a:off x="12574636" y="3962400"/>
+            <a:ext cx="3520440" cy="182880"/>
           </a:xfrm>
           <a:prstGeom prst="rect">
             <a:avLst/>
@@ -11561,265 +13208,23 @@
             <a:pPr algn="ctr"/>
             <a:r>
               <a:rPr lang="en-US" sz="1200" dirty="0"/>
-              <a:t>Philippe Buache</a:t>
-            </a:r>
-          </a:p>
-        </p:txBody>
-      </p:sp>
-      <p:sp>
-        <p:nvSpPr>
-          <p:cNvPr id="123" name="Rectangle 122"/>
-          <p:cNvSpPr/>
-          <p:nvPr/>
-        </p:nvSpPr>
-        <p:spPr>
-          <a:xfrm>
-            <a:off x="12481560" y="5334000"/>
-            <a:ext cx="3246120" cy="182880"/>
-          </a:xfrm>
-          <a:prstGeom prst="rect">
-            <a:avLst/>
-          </a:prstGeom>
-          <a:solidFill>
-            <a:schemeClr val="accent3">
-              <a:lumMod val="60000"/>
-              <a:lumOff val="40000"/>
-            </a:schemeClr>
-          </a:solidFill>
-          <a:ln w="9525">
-            <a:solidFill>
-              <a:schemeClr val="tx1"/>
-            </a:solidFill>
-          </a:ln>
-        </p:spPr>
-        <p:style>
-          <a:lnRef idx="2">
-            <a:schemeClr val="accent1">
-              <a:shade val="50000"/>
-            </a:schemeClr>
-          </a:lnRef>
-          <a:fillRef idx="1">
-            <a:schemeClr val="accent1"/>
-          </a:fillRef>
-          <a:effectRef idx="0">
-            <a:schemeClr val="accent1"/>
-          </a:effectRef>
-          <a:fontRef idx="minor">
-            <a:schemeClr val="lt1"/>
-          </a:fontRef>
-        </p:style>
-        <p:txBody>
-          <a:bodyPr rtlCol="0" anchor="ctr"/>
-          <a:lstStyle/>
-          <a:p>
-            <a:pPr algn="ctr"/>
-            <a:r>
-              <a:rPr lang="en-US" sz="1200" dirty="0" smtClean="0">
-                <a:solidFill>
-                  <a:schemeClr val="tx1"/>
-                </a:solidFill>
-              </a:rPr>
-              <a:t>Joseph Priestley</a:t>
-            </a:r>
-            <a:endParaRPr lang="en-US" sz="1200" dirty="0">
-              <a:solidFill>
-                <a:schemeClr val="tx1"/>
-              </a:solidFill>
-            </a:endParaRPr>
-          </a:p>
-        </p:txBody>
-      </p:sp>
-      <p:sp>
-        <p:nvSpPr>
-          <p:cNvPr id="124" name="Rectangle 123"/>
-          <p:cNvSpPr/>
-          <p:nvPr/>
-        </p:nvSpPr>
-        <p:spPr>
-          <a:xfrm>
-            <a:off x="13670280" y="4236720"/>
-            <a:ext cx="2926080" cy="182880"/>
-          </a:xfrm>
-          <a:prstGeom prst="rect">
-            <a:avLst/>
-          </a:prstGeom>
-          <a:solidFill>
-            <a:schemeClr val="accent3">
-              <a:lumMod val="60000"/>
-              <a:lumOff val="40000"/>
-            </a:schemeClr>
-          </a:solidFill>
-          <a:ln w="9525">
-            <a:solidFill>
-              <a:schemeClr val="tx1"/>
-            </a:solidFill>
-          </a:ln>
-        </p:spPr>
-        <p:style>
-          <a:lnRef idx="2">
-            <a:schemeClr val="accent1">
-              <a:shade val="50000"/>
-            </a:schemeClr>
-          </a:lnRef>
-          <a:fillRef idx="1">
-            <a:schemeClr val="accent1"/>
-          </a:fillRef>
-          <a:effectRef idx="0">
-            <a:schemeClr val="accent1"/>
-          </a:effectRef>
-          <a:fontRef idx="minor">
-            <a:schemeClr val="lt1"/>
-          </a:fontRef>
-        </p:style>
-        <p:txBody>
-          <a:bodyPr rtlCol="0" anchor="ctr"/>
-          <a:lstStyle/>
-          <a:p>
-            <a:pPr algn="ctr"/>
-            <a:r>
-              <a:rPr lang="en-US" sz="1200" dirty="0" smtClean="0">
-                <a:solidFill>
-                  <a:schemeClr val="tx1"/>
-                </a:solidFill>
-              </a:rPr>
-              <a:t>William Playfair</a:t>
-            </a:r>
-            <a:endParaRPr lang="en-US" sz="1200" dirty="0">
-              <a:solidFill>
-                <a:schemeClr val="tx1"/>
-              </a:solidFill>
-            </a:endParaRPr>
-          </a:p>
-        </p:txBody>
-      </p:sp>
-      <p:sp>
-        <p:nvSpPr>
-          <p:cNvPr id="125" name="Rectangle 124">
-            <a:hlinkClick r:id="rId7"/>
+              <a:t>Joseph Lagrange</a:t>
+            </a:r>
+          </a:p>
+        </p:txBody>
+      </p:sp>
+      <p:sp>
+        <p:nvSpPr>
+          <p:cNvPr id="108" name="Rectangle 107">
+            <a:hlinkClick r:id="rId4"/>
           </p:cNvPr>
           <p:cNvSpPr/>
           <p:nvPr/>
         </p:nvSpPr>
         <p:spPr>
           <a:xfrm>
-            <a:off x="6309360" y="2113081"/>
-            <a:ext cx="3520440" cy="182880"/>
-          </a:xfrm>
-          <a:prstGeom prst="rect">
-            <a:avLst/>
-          </a:prstGeom>
-          <a:solidFill>
-            <a:schemeClr val="accent1">
-              <a:lumMod val="60000"/>
-              <a:lumOff val="40000"/>
-            </a:schemeClr>
-          </a:solidFill>
-          <a:ln>
-            <a:noFill/>
-          </a:ln>
-        </p:spPr>
-        <p:style>
-          <a:lnRef idx="2">
-            <a:schemeClr val="accent1">
-              <a:shade val="50000"/>
-            </a:schemeClr>
-          </a:lnRef>
-          <a:fillRef idx="1">
-            <a:schemeClr val="accent1"/>
-          </a:fillRef>
-          <a:effectRef idx="0">
-            <a:schemeClr val="accent1"/>
-          </a:effectRef>
-          <a:fontRef idx="minor">
-            <a:schemeClr val="lt1"/>
-          </a:fontRef>
-        </p:style>
-        <p:txBody>
-          <a:bodyPr rtlCol="0" anchor="ctr"/>
-          <a:lstStyle/>
-          <a:p>
-            <a:pPr algn="ctr"/>
-            <a:r>
-              <a:rPr lang="en-US" sz="1000" dirty="0">
-                <a:solidFill>
-                  <a:schemeClr val="tx1"/>
-                </a:solidFill>
-                <a:latin typeface="Gill Sans MT" panose="020B0502020104020203" pitchFamily="34" charset="0"/>
-                <a:cs typeface="Adobe Arabic" panose="02040503050201020203" pitchFamily="18" charset="-78"/>
-              </a:rPr>
-              <a:t>Michael Florent van Langren </a:t>
-            </a:r>
-          </a:p>
-        </p:txBody>
-      </p:sp>
-      <p:sp>
-        <p:nvSpPr>
-          <p:cNvPr id="126" name="Rectangle 125"/>
-          <p:cNvSpPr/>
-          <p:nvPr/>
-        </p:nvSpPr>
-        <p:spPr>
-          <a:xfrm>
-            <a:off x="16459200" y="4749601"/>
-            <a:ext cx="4114800" cy="182880"/>
-          </a:xfrm>
-          <a:prstGeom prst="rect">
-            <a:avLst/>
-          </a:prstGeom>
-          <a:solidFill>
-            <a:schemeClr val="accent3">
-              <a:lumMod val="60000"/>
-              <a:lumOff val="40000"/>
-            </a:schemeClr>
-          </a:solidFill>
-          <a:ln w="9525">
-            <a:solidFill>
-              <a:schemeClr val="tx1"/>
-            </a:solidFill>
-          </a:ln>
-        </p:spPr>
-        <p:style>
-          <a:lnRef idx="2">
-            <a:schemeClr val="accent1">
-              <a:shade val="50000"/>
-            </a:schemeClr>
-          </a:lnRef>
-          <a:fillRef idx="1">
-            <a:schemeClr val="accent1"/>
-          </a:fillRef>
-          <a:effectRef idx="0">
-            <a:schemeClr val="accent1"/>
-          </a:effectRef>
-          <a:fontRef idx="minor">
-            <a:schemeClr val="lt1"/>
-          </a:fontRef>
-        </p:style>
-        <p:txBody>
-          <a:bodyPr rtlCol="0" anchor="ctr"/>
-          <a:lstStyle/>
-          <a:p>
-            <a:pPr algn="ctr"/>
-            <a:r>
-              <a:rPr lang="en-US" sz="1200" dirty="0">
-                <a:solidFill>
-                  <a:schemeClr val="tx1"/>
-                </a:solidFill>
-              </a:rPr>
-              <a:t>Florence Nightingale </a:t>
-            </a:r>
-          </a:p>
-        </p:txBody>
-      </p:sp>
-      <p:sp>
-        <p:nvSpPr>
-          <p:cNvPr id="127" name="Rectangle 126"/>
-          <p:cNvSpPr/>
-          <p:nvPr/>
-        </p:nvSpPr>
-        <p:spPr>
-          <a:xfrm>
-            <a:off x="10700116" y="3460462"/>
-            <a:ext cx="3840480" cy="182880"/>
+            <a:off x="15454996" y="6713220"/>
+            <a:ext cx="2368296" cy="182880"/>
           </a:xfrm>
           <a:prstGeom prst="rect">
             <a:avLst/>
@@ -11854,683 +13259,355 @@
             <a:pPr algn="ctr"/>
             <a:r>
               <a:rPr lang="en-US" sz="1200" dirty="0"/>
-              <a:t>Voltaire</a:t>
-            </a:r>
-          </a:p>
-        </p:txBody>
-      </p:sp>
-      <p:sp>
-        <p:nvSpPr>
-          <p:cNvPr id="128" name="Rectangle 127"/>
-          <p:cNvSpPr/>
+              <a:t>August Comte</a:t>
+            </a:r>
+          </a:p>
+        </p:txBody>
+      </p:sp>
+      <p:grpSp>
+        <p:nvGrpSpPr>
+          <p:cNvPr id="109" name="Group 108"/>
+          <p:cNvGrpSpPr/>
           <p:nvPr/>
-        </p:nvSpPr>
-        <p:spPr>
-          <a:xfrm>
-            <a:off x="8505556" y="1860262"/>
-            <a:ext cx="3200400" cy="182880"/>
-          </a:xfrm>
-          <a:prstGeom prst="rect">
-            <a:avLst/>
-          </a:prstGeom>
-          <a:solidFill>
-            <a:schemeClr val="accent1">
-              <a:lumMod val="60000"/>
-              <a:lumOff val="40000"/>
-            </a:schemeClr>
-          </a:solidFill>
-          <a:ln>
-            <a:noFill/>
-          </a:ln>
-        </p:spPr>
-        <p:style>
-          <a:lnRef idx="2">
-            <a:schemeClr val="accent1">
-              <a:shade val="50000"/>
-            </a:schemeClr>
-          </a:lnRef>
-          <a:fillRef idx="1">
-            <a:schemeClr val="accent1"/>
-          </a:fillRef>
-          <a:effectRef idx="0">
-            <a:schemeClr val="accent1"/>
-          </a:effectRef>
-          <a:fontRef idx="minor">
-            <a:schemeClr val="lt1"/>
-          </a:fontRef>
-        </p:style>
-        <p:txBody>
-          <a:bodyPr rtlCol="0" anchor="ctr"/>
-          <a:lstStyle/>
-          <a:p>
-            <a:pPr algn="ctr"/>
-            <a:r>
-              <a:rPr lang="en-US" sz="1000" dirty="0">
+        </p:nvGrpSpPr>
+        <p:grpSpPr>
+          <a:xfrm>
+            <a:off x="4831080" y="3608354"/>
+            <a:ext cx="1676400" cy="1328083"/>
+            <a:chOff x="21874601" y="6639580"/>
+            <a:chExt cx="1676400" cy="1328083"/>
+          </a:xfrm>
+        </p:grpSpPr>
+        <p:sp>
+          <p:nvSpPr>
+            <p:cNvPr id="110" name="Rectangle 109">
+              <a:hlinkClick r:id="rId8"/>
+            </p:cNvPr>
+            <p:cNvSpPr/>
+            <p:nvPr/>
+          </p:nvSpPr>
+          <p:spPr>
+            <a:xfrm>
+              <a:off x="22255601" y="7784783"/>
+              <a:ext cx="914400" cy="182880"/>
+            </a:xfrm>
+            <a:prstGeom prst="rect">
+              <a:avLst/>
+            </a:prstGeom>
+            <a:ln w="6350">
+              <a:solidFill>
+                <a:schemeClr val="tx1"/>
+              </a:solidFill>
+            </a:ln>
+          </p:spPr>
+          <p:style>
+            <a:lnRef idx="2">
+              <a:schemeClr val="accent1">
+                <a:shade val="50000"/>
+              </a:schemeClr>
+            </a:lnRef>
+            <a:fillRef idx="1">
+              <a:schemeClr val="accent1"/>
+            </a:fillRef>
+            <a:effectRef idx="0">
+              <a:schemeClr val="accent1"/>
+            </a:effectRef>
+            <a:fontRef idx="minor">
+              <a:schemeClr val="lt1"/>
+            </a:fontRef>
+          </p:style>
+          <p:txBody>
+            <a:bodyPr rtlCol="0" anchor="ctr"/>
+            <a:lstStyle/>
+            <a:p>
+              <a:pPr algn="ctr"/>
+              <a:r>
+                <a:rPr lang="en-US" sz="1200" dirty="0" smtClean="0">
+                  <a:latin typeface="Gill Sans MT" panose="020B0502020104020203" pitchFamily="34" charset="0"/>
+                </a:rPr>
+                <a:t>Other</a:t>
+              </a:r>
+              <a:endParaRPr lang="en-US" sz="1200" dirty="0">
+                <a:latin typeface="Gill Sans MT" panose="020B0502020104020203" pitchFamily="34" charset="0"/>
+              </a:endParaRPr>
+            </a:p>
+          </p:txBody>
+        </p:sp>
+        <p:sp>
+          <p:nvSpPr>
+            <p:cNvPr id="111" name="Rectangle 110">
+              <a:hlinkClick r:id="rId4"/>
+            </p:cNvPr>
+            <p:cNvSpPr/>
+            <p:nvPr/>
+          </p:nvSpPr>
+          <p:spPr>
+            <a:xfrm>
+              <a:off x="22255601" y="7359819"/>
+              <a:ext cx="914400" cy="182880"/>
+            </a:xfrm>
+            <a:prstGeom prst="rect">
+              <a:avLst/>
+            </a:prstGeom>
+            <a:solidFill>
+              <a:srgbClr val="7030A0"/>
+            </a:solidFill>
+            <a:ln w="6350">
+              <a:solidFill>
+                <a:schemeClr val="tx1"/>
+              </a:solidFill>
+            </a:ln>
+          </p:spPr>
+          <p:style>
+            <a:lnRef idx="2">
+              <a:schemeClr val="accent1">
+                <a:shade val="50000"/>
+              </a:schemeClr>
+            </a:lnRef>
+            <a:fillRef idx="1">
+              <a:schemeClr val="accent1"/>
+            </a:fillRef>
+            <a:effectRef idx="0">
+              <a:schemeClr val="accent1"/>
+            </a:effectRef>
+            <a:fontRef idx="minor">
+              <a:schemeClr val="lt1"/>
+            </a:fontRef>
+          </p:style>
+          <p:txBody>
+            <a:bodyPr rtlCol="0" anchor="ctr"/>
+            <a:lstStyle/>
+            <a:p>
+              <a:pPr algn="ctr"/>
+              <a:r>
+                <a:rPr lang="en-US" sz="1200" dirty="0">
+                  <a:latin typeface="Gill Sans MT" panose="020B0502020104020203" pitchFamily="34" charset="0"/>
+                </a:rPr>
+                <a:t>French</a:t>
+              </a:r>
+              <a:endParaRPr lang="en-US" sz="1600" dirty="0">
+                <a:latin typeface="Gill Sans MT" panose="020B0502020104020203" pitchFamily="34" charset="0"/>
+              </a:endParaRPr>
+            </a:p>
+          </p:txBody>
+        </p:sp>
+        <p:sp>
+          <p:nvSpPr>
+            <p:cNvPr id="112" name="Rectangle 111"/>
+            <p:cNvSpPr/>
+            <p:nvPr/>
+          </p:nvSpPr>
+          <p:spPr>
+            <a:xfrm>
+              <a:off x="22255601" y="7134507"/>
+              <a:ext cx="914400" cy="182880"/>
+            </a:xfrm>
+            <a:prstGeom prst="rect">
+              <a:avLst/>
+            </a:prstGeom>
+            <a:solidFill>
+              <a:schemeClr val="accent3">
+                <a:lumMod val="60000"/>
+                <a:lumOff val="40000"/>
+              </a:schemeClr>
+            </a:solidFill>
+            <a:ln w="9525">
+              <a:solidFill>
+                <a:schemeClr val="tx1"/>
+              </a:solidFill>
+            </a:ln>
+          </p:spPr>
+          <p:style>
+            <a:lnRef idx="2">
+              <a:schemeClr val="accent1">
+                <a:shade val="50000"/>
+              </a:schemeClr>
+            </a:lnRef>
+            <a:fillRef idx="1">
+              <a:schemeClr val="accent1"/>
+            </a:fillRef>
+            <a:effectRef idx="0">
+              <a:schemeClr val="accent1"/>
+            </a:effectRef>
+            <a:fontRef idx="minor">
+              <a:schemeClr val="lt1"/>
+            </a:fontRef>
+          </p:style>
+          <p:txBody>
+            <a:bodyPr rtlCol="0" anchor="ctr"/>
+            <a:lstStyle/>
+            <a:p>
+              <a:pPr algn="ctr"/>
+              <a:r>
+                <a:rPr lang="en-US" sz="1200" dirty="0">
+                  <a:solidFill>
+                    <a:schemeClr val="tx1"/>
+                  </a:solidFill>
+                  <a:latin typeface="Gill Sans MT" panose="020B0502020104020203" pitchFamily="34" charset="0"/>
+                </a:rPr>
+                <a:t>British</a:t>
+              </a:r>
+              <a:endParaRPr lang="en-US" sz="1600" dirty="0">
                 <a:solidFill>
                   <a:schemeClr val="tx1"/>
                 </a:solidFill>
                 <a:latin typeface="Gill Sans MT" panose="020B0502020104020203" pitchFamily="34" charset="0"/>
-                <a:cs typeface="Adobe Arabic" panose="02040503050201020203" pitchFamily="18" charset="-78"/>
-              </a:rPr>
-              <a:t>Gottfried Leibniz</a:t>
-            </a:r>
-          </a:p>
-        </p:txBody>
-      </p:sp>
-      <p:sp>
-        <p:nvSpPr>
-          <p:cNvPr id="134" name="Rectangle 133">
-            <a:hlinkClick r:id="rId4"/>
-          </p:cNvPr>
-          <p:cNvSpPr/>
-          <p:nvPr/>
-        </p:nvSpPr>
-        <p:spPr>
-          <a:xfrm>
-            <a:off x="0" y="8229600"/>
-            <a:ext cx="8595360" cy="810946"/>
-          </a:xfrm>
-          <a:prstGeom prst="rect">
-            <a:avLst/>
-          </a:prstGeom>
-          <a:gradFill flip="none" rotWithShape="1">
-            <a:gsLst>
-              <a:gs pos="0">
-                <a:srgbClr val="FFC000"/>
-              </a:gs>
-              <a:gs pos="100000">
-                <a:schemeClr val="bg2">
-                  <a:lumMod val="90000"/>
-                  <a:alpha val="41000"/>
-                </a:schemeClr>
-              </a:gs>
-            </a:gsLst>
-            <a:lin ang="0" scaled="1"/>
-            <a:tileRect/>
-          </a:gradFill>
-          <a:ln>
-            <a:noFill/>
-          </a:ln>
-          <a:effectLst/>
-        </p:spPr>
-        <p:style>
-          <a:lnRef idx="1">
-            <a:schemeClr val="accent1"/>
-          </a:lnRef>
-          <a:fillRef idx="2">
-            <a:schemeClr val="accent1"/>
-          </a:fillRef>
-          <a:effectRef idx="1">
-            <a:schemeClr val="accent1"/>
-          </a:effectRef>
-          <a:fontRef idx="minor">
-            <a:schemeClr val="dk1"/>
-          </a:fontRef>
-        </p:style>
-        <p:txBody>
-          <a:bodyPr rtlCol="0" anchor="ctr"/>
-          <a:lstStyle/>
-          <a:p>
-            <a:r>
-              <a:rPr lang="en-US" sz="1600" dirty="0" smtClean="0"/>
-              <a:t>                            Renaissance </a:t>
-            </a:r>
-            <a:endParaRPr lang="en-US" sz="1600" dirty="0"/>
-          </a:p>
-        </p:txBody>
-      </p:sp>
-      <p:sp>
-        <p:nvSpPr>
-          <p:cNvPr id="129" name="Rectangle 128">
-            <a:hlinkClick r:id="rId4"/>
-          </p:cNvPr>
-          <p:cNvSpPr/>
-          <p:nvPr/>
-        </p:nvSpPr>
-        <p:spPr>
-          <a:xfrm>
-            <a:off x="15544800" y="8251012"/>
-            <a:ext cx="1828800" cy="789534"/>
-          </a:xfrm>
-          <a:prstGeom prst="rect">
-            <a:avLst/>
-          </a:prstGeom>
-          <a:gradFill flip="none" rotWithShape="1">
-            <a:gsLst>
-              <a:gs pos="0">
-                <a:srgbClr val="FFC000"/>
-              </a:gs>
-              <a:gs pos="100000">
-                <a:schemeClr val="bg2">
-                  <a:lumMod val="90000"/>
-                  <a:alpha val="41000"/>
-                </a:schemeClr>
-              </a:gs>
-            </a:gsLst>
-            <a:path path="circle">
-              <a:fillToRect l="50000" t="50000" r="50000" b="50000"/>
-            </a:path>
-            <a:tileRect/>
-          </a:gradFill>
-          <a:ln>
-            <a:noFill/>
-          </a:ln>
-          <a:effectLst/>
-        </p:spPr>
-        <p:style>
-          <a:lnRef idx="1">
-            <a:schemeClr val="accent1"/>
-          </a:lnRef>
-          <a:fillRef idx="2">
-            <a:schemeClr val="accent1"/>
-          </a:fillRef>
-          <a:effectRef idx="1">
-            <a:schemeClr val="accent1"/>
-          </a:effectRef>
-          <a:fontRef idx="minor">
-            <a:schemeClr val="dk1"/>
-          </a:fontRef>
-        </p:style>
-        <p:txBody>
-          <a:bodyPr rtlCol="0" anchor="ctr"/>
-          <a:lstStyle/>
-          <a:p>
-            <a:pPr algn="ctr"/>
-            <a:r>
-              <a:rPr lang="en-US" sz="1600" dirty="0" smtClean="0"/>
-              <a:t>Romanticism</a:t>
-            </a:r>
-            <a:endParaRPr lang="en-US" sz="1600" dirty="0"/>
-          </a:p>
-        </p:txBody>
-      </p:sp>
-      <p:sp>
-        <p:nvSpPr>
-          <p:cNvPr id="131" name="Rectangle 130">
-            <a:hlinkClick r:id="rId4"/>
-          </p:cNvPr>
-          <p:cNvSpPr/>
-          <p:nvPr/>
-        </p:nvSpPr>
-        <p:spPr>
-          <a:xfrm>
-            <a:off x="3794760" y="8251012"/>
-            <a:ext cx="11750040" cy="237197"/>
-          </a:xfrm>
-          <a:prstGeom prst="rect">
-            <a:avLst/>
-          </a:prstGeom>
-          <a:gradFill flip="none" rotWithShape="1">
-            <a:gsLst>
-              <a:gs pos="0">
-                <a:srgbClr val="FFC000"/>
-              </a:gs>
-              <a:gs pos="100000">
-                <a:schemeClr val="bg2">
-                  <a:lumMod val="90000"/>
-                  <a:alpha val="41000"/>
-                </a:schemeClr>
-              </a:gs>
-            </a:gsLst>
-            <a:path path="circle">
-              <a:fillToRect l="50000" t="50000" r="50000" b="50000"/>
-            </a:path>
-            <a:tileRect/>
-          </a:gradFill>
-          <a:ln>
-            <a:noFill/>
-          </a:ln>
-          <a:effectLst/>
-        </p:spPr>
-        <p:style>
-          <a:lnRef idx="1">
-            <a:schemeClr val="accent1"/>
-          </a:lnRef>
-          <a:fillRef idx="2">
-            <a:schemeClr val="accent1"/>
-          </a:fillRef>
-          <a:effectRef idx="1">
-            <a:schemeClr val="accent1"/>
-          </a:effectRef>
-          <a:fontRef idx="minor">
-            <a:schemeClr val="dk1"/>
-          </a:fontRef>
-        </p:style>
-        <p:txBody>
-          <a:bodyPr rtlCol="0" anchor="ctr"/>
-          <a:lstStyle/>
-          <a:p>
-            <a:pPr algn="ctr"/>
-            <a:r>
-              <a:rPr lang="en-US" sz="1600" dirty="0" smtClean="0"/>
-              <a:t>Scientific Revolution</a:t>
-            </a:r>
-            <a:endParaRPr lang="en-US" sz="1600" dirty="0"/>
-          </a:p>
-        </p:txBody>
-      </p:sp>
-      <p:sp>
-        <p:nvSpPr>
-          <p:cNvPr id="132" name="Rectangle 131">
-            <a:hlinkClick r:id="rId4"/>
-          </p:cNvPr>
-          <p:cNvSpPr/>
-          <p:nvPr/>
-        </p:nvSpPr>
-        <p:spPr>
-          <a:xfrm>
-            <a:off x="8321040" y="8823116"/>
-            <a:ext cx="6858000" cy="216038"/>
-          </a:xfrm>
-          <a:prstGeom prst="rect">
-            <a:avLst/>
-          </a:prstGeom>
-          <a:gradFill flip="none" rotWithShape="1">
-            <a:gsLst>
-              <a:gs pos="0">
-                <a:srgbClr val="FFC000"/>
-              </a:gs>
-              <a:gs pos="100000">
-                <a:schemeClr val="bg2">
-                  <a:lumMod val="90000"/>
-                  <a:alpha val="41000"/>
-                </a:schemeClr>
-              </a:gs>
-            </a:gsLst>
-            <a:path path="circle">
-              <a:fillToRect l="50000" t="50000" r="50000" b="50000"/>
-            </a:path>
-            <a:tileRect/>
-          </a:gradFill>
-          <a:ln>
-            <a:noFill/>
-          </a:ln>
-          <a:effectLst/>
-        </p:spPr>
-        <p:style>
-          <a:lnRef idx="1">
-            <a:schemeClr val="accent1"/>
-          </a:lnRef>
-          <a:fillRef idx="2">
-            <a:schemeClr val="accent1"/>
-          </a:fillRef>
-          <a:effectRef idx="1">
-            <a:schemeClr val="accent1"/>
-          </a:effectRef>
-          <a:fontRef idx="minor">
-            <a:schemeClr val="dk1"/>
-          </a:fontRef>
-        </p:style>
-        <p:txBody>
-          <a:bodyPr rtlCol="0" anchor="ctr"/>
-          <a:lstStyle/>
-          <a:p>
-            <a:pPr algn="ctr"/>
-            <a:r>
-              <a:rPr lang="en-US" sz="1600" dirty="0" smtClean="0"/>
-              <a:t>Emergence of Social Sciences</a:t>
-            </a:r>
-            <a:endParaRPr lang="en-US" sz="1600" dirty="0"/>
-          </a:p>
-        </p:txBody>
-      </p:sp>
-      <p:sp>
-        <p:nvSpPr>
-          <p:cNvPr id="133" name="Rectangle 132">
-            <a:hlinkClick r:id="rId4"/>
-          </p:cNvPr>
-          <p:cNvSpPr/>
-          <p:nvPr/>
-        </p:nvSpPr>
-        <p:spPr>
-          <a:xfrm>
-            <a:off x="17373600" y="8251012"/>
-            <a:ext cx="1828800" cy="789534"/>
-          </a:xfrm>
-          <a:prstGeom prst="rect">
-            <a:avLst/>
-          </a:prstGeom>
-          <a:gradFill flip="none" rotWithShape="1">
-            <a:gsLst>
-              <a:gs pos="0">
-                <a:srgbClr val="FFC000"/>
-              </a:gs>
-              <a:gs pos="100000">
-                <a:schemeClr val="bg2">
-                  <a:lumMod val="90000"/>
-                  <a:alpha val="41000"/>
-                </a:schemeClr>
-              </a:gs>
-            </a:gsLst>
-            <a:path path="circle">
-              <a:fillToRect l="50000" t="50000" r="50000" b="50000"/>
-            </a:path>
-            <a:tileRect/>
-          </a:gradFill>
-          <a:ln>
-            <a:noFill/>
-          </a:ln>
-          <a:effectLst/>
-        </p:spPr>
-        <p:style>
-          <a:lnRef idx="1">
-            <a:schemeClr val="accent1"/>
-          </a:lnRef>
-          <a:fillRef idx="2">
-            <a:schemeClr val="accent1"/>
-          </a:fillRef>
-          <a:effectRef idx="1">
-            <a:schemeClr val="accent1"/>
-          </a:effectRef>
-          <a:fontRef idx="minor">
-            <a:schemeClr val="dk1"/>
-          </a:fontRef>
-        </p:style>
-        <p:txBody>
-          <a:bodyPr rtlCol="0" anchor="ctr"/>
-          <a:lstStyle/>
-          <a:p>
-            <a:pPr algn="ctr"/>
-            <a:r>
-              <a:rPr lang="en-US" sz="1600" dirty="0" smtClean="0"/>
-              <a:t>Positivism</a:t>
-            </a:r>
-            <a:endParaRPr lang="en-US" sz="1600" dirty="0"/>
-          </a:p>
-        </p:txBody>
-      </p:sp>
-      <p:sp>
-        <p:nvSpPr>
-          <p:cNvPr id="130" name="Rectangle 129">
-            <a:hlinkClick r:id="rId4"/>
-          </p:cNvPr>
-          <p:cNvSpPr/>
-          <p:nvPr/>
-        </p:nvSpPr>
-        <p:spPr>
-          <a:xfrm>
-            <a:off x="8046720" y="8568408"/>
-            <a:ext cx="6995160" cy="197969"/>
-          </a:xfrm>
-          <a:prstGeom prst="rect">
-            <a:avLst/>
-          </a:prstGeom>
-          <a:gradFill flip="none" rotWithShape="1">
-            <a:gsLst>
-              <a:gs pos="0">
-                <a:srgbClr val="FFC000"/>
-              </a:gs>
-              <a:gs pos="100000">
-                <a:schemeClr val="bg2">
-                  <a:lumMod val="90000"/>
-                  <a:alpha val="41000"/>
-                </a:schemeClr>
-              </a:gs>
-            </a:gsLst>
-            <a:path path="circle">
-              <a:fillToRect l="50000" t="50000" r="50000" b="50000"/>
-            </a:path>
-            <a:tileRect/>
-          </a:gradFill>
-          <a:ln>
-            <a:noFill/>
-          </a:ln>
-          <a:effectLst/>
-        </p:spPr>
-        <p:style>
-          <a:lnRef idx="1">
-            <a:schemeClr val="accent1"/>
-          </a:lnRef>
-          <a:fillRef idx="2">
-            <a:schemeClr val="accent1"/>
-          </a:fillRef>
-          <a:effectRef idx="1">
-            <a:schemeClr val="accent1"/>
-          </a:effectRef>
-          <a:fontRef idx="minor">
-            <a:schemeClr val="dk1"/>
-          </a:fontRef>
-        </p:style>
-        <p:txBody>
-          <a:bodyPr rtlCol="0" anchor="ctr"/>
-          <a:lstStyle/>
-          <a:p>
-            <a:pPr algn="ctr"/>
-            <a:r>
-              <a:rPr lang="en-US" sz="1600" dirty="0" smtClean="0"/>
-              <a:t>Enlightenment</a:t>
-            </a:r>
-            <a:endParaRPr lang="en-US" sz="1600" dirty="0"/>
-          </a:p>
-        </p:txBody>
-      </p:sp>
-      <p:sp>
-        <p:nvSpPr>
-          <p:cNvPr id="135" name="Rectangle 134">
-            <a:hlinkClick r:id="rId4"/>
-          </p:cNvPr>
-          <p:cNvSpPr/>
-          <p:nvPr/>
-        </p:nvSpPr>
-        <p:spPr>
-          <a:xfrm>
-            <a:off x="15361920" y="2971800"/>
-            <a:ext cx="3566160" cy="182880"/>
-          </a:xfrm>
-          <a:prstGeom prst="rect">
-            <a:avLst/>
-          </a:prstGeom>
-          <a:solidFill>
-            <a:schemeClr val="accent1">
-              <a:lumMod val="60000"/>
-              <a:lumOff val="40000"/>
-            </a:schemeClr>
-          </a:solidFill>
-          <a:ln>
-            <a:noFill/>
-          </a:ln>
-        </p:spPr>
-        <p:style>
-          <a:lnRef idx="2">
-            <a:schemeClr val="accent1">
-              <a:shade val="50000"/>
-            </a:schemeClr>
-          </a:lnRef>
-          <a:fillRef idx="1">
-            <a:schemeClr val="accent1"/>
-          </a:fillRef>
-          <a:effectRef idx="0">
-            <a:schemeClr val="accent1"/>
-          </a:effectRef>
-          <a:fontRef idx="minor">
-            <a:schemeClr val="lt1"/>
-          </a:fontRef>
-        </p:style>
-        <p:txBody>
-          <a:bodyPr rtlCol="0" anchor="ctr"/>
-          <a:lstStyle/>
-          <a:p>
-            <a:pPr algn="ctr"/>
-            <a:r>
-              <a:rPr lang="en-US" sz="1000" dirty="0">
+              </a:endParaRPr>
+            </a:p>
+          </p:txBody>
+        </p:sp>
+        <p:sp>
+          <p:nvSpPr>
+            <p:cNvPr id="113" name="Rectangle 112"/>
+            <p:cNvSpPr/>
+            <p:nvPr/>
+          </p:nvSpPr>
+          <p:spPr>
+            <a:xfrm>
+              <a:off x="22255601" y="7572301"/>
+              <a:ext cx="914400" cy="182880"/>
+            </a:xfrm>
+            <a:prstGeom prst="rect">
+              <a:avLst/>
+            </a:prstGeom>
+            <a:solidFill>
+              <a:schemeClr val="accent2">
+                <a:lumMod val="60000"/>
+                <a:lumOff val="40000"/>
+              </a:schemeClr>
+            </a:solidFill>
+            <a:ln w="9525">
+              <a:solidFill>
+                <a:schemeClr val="tx1"/>
+              </a:solidFill>
+            </a:ln>
+          </p:spPr>
+          <p:style>
+            <a:lnRef idx="2">
+              <a:schemeClr val="accent1">
+                <a:shade val="50000"/>
+              </a:schemeClr>
+            </a:lnRef>
+            <a:fillRef idx="1">
+              <a:schemeClr val="accent1"/>
+            </a:fillRef>
+            <a:effectRef idx="0">
+              <a:schemeClr val="accent1"/>
+            </a:effectRef>
+            <a:fontRef idx="minor">
+              <a:schemeClr val="lt1"/>
+            </a:fontRef>
+          </p:style>
+          <p:txBody>
+            <a:bodyPr rtlCol="0" anchor="ctr"/>
+            <a:lstStyle/>
+            <a:p>
+              <a:pPr algn="ctr"/>
+              <a:r>
+                <a:rPr lang="en-US" sz="1200" dirty="0" smtClean="0">
+                  <a:solidFill>
+                    <a:schemeClr val="tx1"/>
+                  </a:solidFill>
+                  <a:latin typeface="Gill Sans MT" panose="020B0502020104020203" pitchFamily="34" charset="0"/>
+                </a:rPr>
+                <a:t>American</a:t>
+              </a:r>
+              <a:endParaRPr lang="en-US" sz="1200" dirty="0">
                 <a:solidFill>
                   <a:schemeClr val="tx1"/>
                 </a:solidFill>
                 <a:latin typeface="Gill Sans MT" panose="020B0502020104020203" pitchFamily="34" charset="0"/>
-                <a:cs typeface="Adobe Arabic" panose="02040503050201020203" pitchFamily="18" charset="-78"/>
-              </a:rPr>
-              <a:t>Lambert Quetelet </a:t>
-            </a:r>
-          </a:p>
-        </p:txBody>
-      </p:sp>
-      <p:sp>
-        <p:nvSpPr>
-          <p:cNvPr id="136" name="Rectangle 135">
-            <a:hlinkClick r:id="rId4"/>
-          </p:cNvPr>
-          <p:cNvSpPr/>
-          <p:nvPr/>
-        </p:nvSpPr>
-        <p:spPr>
-          <a:xfrm>
-            <a:off x="15636240" y="3200400"/>
-            <a:ext cx="2926080" cy="182880"/>
-          </a:xfrm>
-          <a:prstGeom prst="rect">
-            <a:avLst/>
-          </a:prstGeom>
-          <a:solidFill>
-            <a:srgbClr val="7030A0"/>
-          </a:solidFill>
-          <a:ln>
-            <a:noFill/>
-          </a:ln>
-        </p:spPr>
-        <p:style>
-          <a:lnRef idx="2">
-            <a:schemeClr val="accent1">
-              <a:shade val="50000"/>
-            </a:schemeClr>
-          </a:lnRef>
-          <a:fillRef idx="1">
-            <a:schemeClr val="accent1"/>
-          </a:fillRef>
-          <a:effectRef idx="0">
-            <a:schemeClr val="accent1"/>
-          </a:effectRef>
-          <a:fontRef idx="minor">
-            <a:schemeClr val="lt1"/>
-          </a:fontRef>
-        </p:style>
-        <p:txBody>
-          <a:bodyPr rtlCol="0" anchor="ctr"/>
-          <a:lstStyle/>
-          <a:p>
-            <a:pPr algn="ctr"/>
-            <a:r>
-              <a:rPr lang="en-US" sz="1200" b="1" dirty="0"/>
-              <a:t>André-Michel Guerry</a:t>
-            </a:r>
-            <a:endParaRPr lang="en-US" sz="1200" dirty="0"/>
-          </a:p>
-        </p:txBody>
-      </p:sp>
-      <p:sp>
-        <p:nvSpPr>
-          <p:cNvPr id="137" name="Rectangle 136"/>
-          <p:cNvSpPr/>
-          <p:nvPr/>
-        </p:nvSpPr>
-        <p:spPr>
-          <a:xfrm>
-            <a:off x="16139160" y="6558260"/>
-            <a:ext cx="2057400" cy="182880"/>
-          </a:xfrm>
-          <a:prstGeom prst="rect">
-            <a:avLst/>
-          </a:prstGeom>
-          <a:solidFill>
-            <a:schemeClr val="accent3">
-              <a:lumMod val="60000"/>
-              <a:lumOff val="40000"/>
-            </a:schemeClr>
-          </a:solidFill>
-          <a:ln w="9525">
-            <a:solidFill>
-              <a:schemeClr val="tx1"/>
-            </a:solidFill>
-          </a:ln>
-        </p:spPr>
-        <p:style>
-          <a:lnRef idx="2">
-            <a:schemeClr val="accent1">
-              <a:shade val="50000"/>
-            </a:schemeClr>
-          </a:lnRef>
-          <a:fillRef idx="1">
-            <a:schemeClr val="accent1"/>
-          </a:fillRef>
-          <a:effectRef idx="0">
-            <a:schemeClr val="accent1"/>
-          </a:effectRef>
-          <a:fontRef idx="minor">
-            <a:schemeClr val="lt1"/>
-          </a:fontRef>
-        </p:style>
-        <p:txBody>
-          <a:bodyPr rtlCol="0" anchor="ctr"/>
-          <a:lstStyle/>
-          <a:p>
-            <a:pPr algn="ctr"/>
-            <a:r>
-              <a:rPr lang="en-US" sz="1200" dirty="0" smtClean="0">
-                <a:solidFill>
-                  <a:schemeClr val="tx1"/>
-                </a:solidFill>
-              </a:rPr>
-              <a:t>John Snow</a:t>
-            </a:r>
-            <a:endParaRPr lang="en-US" sz="1200" dirty="0">
-              <a:solidFill>
+              </a:endParaRPr>
+            </a:p>
+          </p:txBody>
+        </p:sp>
+        <p:grpSp>
+          <p:nvGrpSpPr>
+            <p:cNvPr id="115" name="Group 114"/>
+            <p:cNvGrpSpPr/>
+            <p:nvPr/>
+          </p:nvGrpSpPr>
+          <p:grpSpPr>
+            <a:xfrm>
+              <a:off x="21874601" y="6639580"/>
+              <a:ext cx="1676400" cy="523220"/>
+              <a:chOff x="21874601" y="6639580"/>
+              <a:chExt cx="1676400" cy="523220"/>
+            </a:xfrm>
+          </p:grpSpPr>
+          <p:sp>
+            <p:nvSpPr>
+              <p:cNvPr id="122" name="TextBox 121"/>
+              <p:cNvSpPr txBox="1"/>
+              <p:nvPr/>
+            </p:nvSpPr>
+            <p:spPr>
+              <a:xfrm>
+                <a:off x="21874601" y="6639580"/>
+                <a:ext cx="1676400" cy="523220"/>
+              </a:xfrm>
+              <a:prstGeom prst="rect">
+                <a:avLst/>
+              </a:prstGeom>
+              <a:noFill/>
+            </p:spPr>
+            <p:txBody>
+              <a:bodyPr wrap="square" rtlCol="0">
+                <a:spAutoFit/>
+              </a:bodyPr>
+              <a:lstStyle/>
+              <a:p>
+                <a:pPr algn="ctr"/>
+                <a:r>
+                  <a:rPr lang="en-US" sz="1400" dirty="0">
+                    <a:latin typeface="Gill Sans MT" panose="020B0502020104020203" pitchFamily="34" charset="0"/>
+                  </a:rPr>
+                  <a:t>20</a:t>
+                </a:r>
+              </a:p>
+              <a:p>
+                <a:pPr algn="ctr"/>
+                <a:r>
+                  <a:rPr lang="en-US" sz="1400" dirty="0">
+                    <a:latin typeface="Gill Sans MT" panose="020B0502020104020203" pitchFamily="34" charset="0"/>
+                  </a:rPr>
+                  <a:t>years</a:t>
+                </a:r>
+              </a:p>
+            </p:txBody>
+          </p:sp>
+          <p:cxnSp>
+            <p:nvCxnSpPr>
+              <p:cNvPr id="138" name="Straight Connector 137"/>
+              <p:cNvCxnSpPr/>
+              <p:nvPr/>
+            </p:nvCxnSpPr>
+            <p:spPr>
+              <a:xfrm>
+                <a:off x="22255601" y="6934200"/>
+                <a:ext cx="914400" cy="0"/>
+              </a:xfrm>
+              <a:prstGeom prst="line">
+                <a:avLst/>
+              </a:prstGeom>
+            </p:spPr>
+            <p:style>
+              <a:lnRef idx="3">
+                <a:schemeClr val="dk1"/>
+              </a:lnRef>
+              <a:fillRef idx="0">
+                <a:schemeClr val="dk1"/>
+              </a:fillRef>
+              <a:effectRef idx="2">
+                <a:schemeClr val="dk1"/>
+              </a:effectRef>
+              <a:fontRef idx="minor">
                 <a:schemeClr val="tx1"/>
-              </a:solidFill>
-            </a:endParaRPr>
-          </a:p>
-        </p:txBody>
-      </p:sp>
-      <p:sp>
-        <p:nvSpPr>
-          <p:cNvPr id="91" name="Rectangle 90">
-            <a:hlinkClick r:id="rId7"/>
-          </p:cNvPr>
-          <p:cNvSpPr/>
-          <p:nvPr/>
-        </p:nvSpPr>
-        <p:spPr>
-          <a:xfrm>
-            <a:off x="7269480" y="6446520"/>
-            <a:ext cx="2926080" cy="182880"/>
-          </a:xfrm>
-          <a:prstGeom prst="rect">
-            <a:avLst/>
-          </a:prstGeom>
-          <a:solidFill>
-            <a:srgbClr val="7030A0"/>
-          </a:solidFill>
-          <a:ln>
-            <a:noFill/>
-          </a:ln>
-        </p:spPr>
-        <p:style>
-          <a:lnRef idx="2">
-            <a:schemeClr val="accent1">
-              <a:shade val="50000"/>
-            </a:schemeClr>
-          </a:lnRef>
-          <a:fillRef idx="1">
-            <a:schemeClr val="accent1"/>
-          </a:fillRef>
-          <a:effectRef idx="0">
-            <a:schemeClr val="accent1"/>
-          </a:effectRef>
-          <a:fontRef idx="minor">
-            <a:schemeClr val="lt1"/>
-          </a:fontRef>
-        </p:style>
-        <p:txBody>
-          <a:bodyPr rtlCol="0" anchor="ctr"/>
-          <a:lstStyle/>
-          <a:p>
-            <a:pPr algn="ctr"/>
-            <a:r>
-              <a:rPr lang="en-US" sz="1200" dirty="0" smtClean="0"/>
-              <a:t>Jean-Baptiste Colbert</a:t>
-            </a:r>
-            <a:endParaRPr lang="en-US" sz="1200" dirty="0"/>
-          </a:p>
-        </p:txBody>
-      </p:sp>
+              </a:fontRef>
+            </p:style>
+          </p:cxnSp>
+        </p:grpSp>
+      </p:grpSp>
     </p:spTree>
     <p:extLst>
       <p:ext uri="{BB962C8B-B14F-4D97-AF65-F5344CB8AC3E}">
